--- a/ProjectsOverview/SOC_PhD_Proposal_Clickable.pptx
+++ b/ProjectsOverview/SOC_PhD_Proposal_Clickable.pptx
@@ -10,11 +10,9 @@
     <p:sldId id="258" r:id="rId4"/>
     <p:sldId id="259" r:id="rId5"/>
     <p:sldId id="260" r:id="rId6"/>
-    <p:sldId id="261" r:id="rId7"/>
-    <p:sldId id="262" r:id="rId8"/>
   </p:sldIdLst>
   <p:notesMasterIdLst>
-    <p:notesMasterId r:id="rId9"/>
+    <p:notesMasterId r:id="rId7"/>
   </p:notesMasterIdLst>
   <p:sldSz cx="12188952" cy="6858000"/>
   <p:notesSz cx="6858000" cy="12188952"/>
@@ -912,186 +910,6 @@
 </p:notes>
 </file>
 
-<file path=ppt/notesSlides/notesSlide6.xml><?xml version="1.0" encoding="utf-8"?>
-<p:notes xmlns:a="http://schemas.openxmlformats.org/drawingml/2006/main" xmlns:r="http://schemas.openxmlformats.org/officeDocument/2006/relationships" xmlns:p="http://schemas.openxmlformats.org/presentationml/2006/main">
-  <p:cSld>
-    <p:spTree>
-      <p:nvGrpSpPr>
-        <p:cNvPr id="1" name=""/>
-        <p:cNvGrpSpPr/>
-        <p:nvPr/>
-      </p:nvGrpSpPr>
-      <p:grpSpPr>
-        <a:xfrm>
-          <a:off x="0" y="0"/>
-          <a:ext cx="0" cy="0"/>
-          <a:chOff x="0" y="0"/>
-          <a:chExt cx="0" cy="0"/>
-        </a:xfrm>
-      </p:grpSpPr>
-      <p:sp>
-        <p:nvSpPr>
-          <p:cNvPr id="2" name="Slide Image Placeholder 1"/>
-          <p:cNvSpPr>
-            <a:spLocks noGrp="1" noRot="1" noChangeAspect="1"/>
-          </p:cNvSpPr>
-          <p:nvPr>
-            <p:ph type="sldImg"/>
-          </p:nvPr>
-        </p:nvSpPr>
-        <p:spPr/>
-      </p:sp>
-      <p:sp>
-        <p:nvSpPr>
-          <p:cNvPr id="3" name="Notes Placeholder 2"/>
-          <p:cNvSpPr>
-            <a:spLocks noGrp="1"/>
-          </p:cNvSpPr>
-          <p:nvPr>
-            <p:ph type="body" idx="1"/>
-          </p:nvPr>
-        </p:nvSpPr>
-        <p:spPr/>
-        <p:txBody>
-          <a:bodyPr/>
-          <a:lstStyle/>
-          <a:p>
-            <a:r>
-              <a:rPr lang="en-US" dirty="0"/>
-              <a:t>SOC PhD Proposal – Slide 6
-Explain this section as shown.
-Links are clickable in presentation mode.</a:t>
-            </a:r>
-            <a:endParaRPr lang="en-US" dirty="0"/>
-          </a:p>
-        </p:txBody>
-      </p:sp>
-      <p:sp>
-        <p:nvSpPr>
-          <p:cNvPr id="4" name="Slide Number Placeholder 3"/>
-          <p:cNvSpPr>
-            <a:spLocks noGrp="1"/>
-          </p:cNvSpPr>
-          <p:nvPr>
-            <p:ph type="sldNum" sz="quarter" idx="10"/>
-          </p:nvPr>
-        </p:nvSpPr>
-        <p:spPr/>
-        <p:txBody>
-          <a:bodyPr/>
-          <a:lstStyle/>
-          <a:p>
-            <a:fld id="{F7021451-1387-4CA6-816F-3879F97B5CBC}" type="slidenum">
-              <a:rPr lang="en-US"/>
-              <a:t>6</a:t>
-            </a:fld>
-            <a:endParaRPr lang="en-US"/>
-          </a:p>
-        </p:txBody>
-      </p:sp>
-    </p:spTree>
-    <p:extLst>
-      <p:ext uri="{BB962C8B-B14F-4D97-AF65-F5344CB8AC3E}">
-        <p14:creationId xmlns:p14="http://schemas.microsoft.com/office/powerpoint/2010/main" val="1024086991"/>
-      </p:ext>
-    </p:extLst>
-  </p:cSld>
-  <p:clrMapOvr>
-    <a:masterClrMapping/>
-  </p:clrMapOvr>
-</p:notes>
-</file>
-
-<file path=ppt/notesSlides/notesSlide7.xml><?xml version="1.0" encoding="utf-8"?>
-<p:notes xmlns:a="http://schemas.openxmlformats.org/drawingml/2006/main" xmlns:r="http://schemas.openxmlformats.org/officeDocument/2006/relationships" xmlns:p="http://schemas.openxmlformats.org/presentationml/2006/main">
-  <p:cSld>
-    <p:spTree>
-      <p:nvGrpSpPr>
-        <p:cNvPr id="1" name=""/>
-        <p:cNvGrpSpPr/>
-        <p:nvPr/>
-      </p:nvGrpSpPr>
-      <p:grpSpPr>
-        <a:xfrm>
-          <a:off x="0" y="0"/>
-          <a:ext cx="0" cy="0"/>
-          <a:chOff x="0" y="0"/>
-          <a:chExt cx="0" cy="0"/>
-        </a:xfrm>
-      </p:grpSpPr>
-      <p:sp>
-        <p:nvSpPr>
-          <p:cNvPr id="2" name="Slide Image Placeholder 1"/>
-          <p:cNvSpPr>
-            <a:spLocks noGrp="1" noRot="1" noChangeAspect="1"/>
-          </p:cNvSpPr>
-          <p:nvPr>
-            <p:ph type="sldImg"/>
-          </p:nvPr>
-        </p:nvSpPr>
-        <p:spPr/>
-      </p:sp>
-      <p:sp>
-        <p:nvSpPr>
-          <p:cNvPr id="3" name="Notes Placeholder 2"/>
-          <p:cNvSpPr>
-            <a:spLocks noGrp="1"/>
-          </p:cNvSpPr>
-          <p:nvPr>
-            <p:ph type="body" idx="1"/>
-          </p:nvPr>
-        </p:nvSpPr>
-        <p:spPr/>
-        <p:txBody>
-          <a:bodyPr/>
-          <a:lstStyle/>
-          <a:p>
-            <a:r>
-              <a:rPr lang="en-US" dirty="0"/>
-              <a:t>SOC PhD Proposal – Slide 7
-Explain this section as shown.
-Links are clickable in presentation mode.</a:t>
-            </a:r>
-            <a:endParaRPr lang="en-US" dirty="0"/>
-          </a:p>
-        </p:txBody>
-      </p:sp>
-      <p:sp>
-        <p:nvSpPr>
-          <p:cNvPr id="4" name="Slide Number Placeholder 3"/>
-          <p:cNvSpPr>
-            <a:spLocks noGrp="1"/>
-          </p:cNvSpPr>
-          <p:nvPr>
-            <p:ph type="sldNum" sz="quarter" idx="10"/>
-          </p:nvPr>
-        </p:nvSpPr>
-        <p:spPr/>
-        <p:txBody>
-          <a:bodyPr/>
-          <a:lstStyle/>
-          <a:p>
-            <a:fld id="{F7021451-1387-4CA6-816F-3879F97B5CBC}" type="slidenum">
-              <a:rPr lang="en-US"/>
-              <a:t>7</a:t>
-            </a:fld>
-            <a:endParaRPr lang="en-US"/>
-          </a:p>
-        </p:txBody>
-      </p:sp>
-    </p:spTree>
-    <p:extLst>
-      <p:ext uri="{BB962C8B-B14F-4D97-AF65-F5344CB8AC3E}">
-        <p14:creationId xmlns:p14="http://schemas.microsoft.com/office/powerpoint/2010/main" val="1024086991"/>
-      </p:ext>
-    </p:extLst>
-  </p:cSld>
-  <p:clrMapOvr>
-    <a:masterClrMapping/>
-  </p:clrMapOvr>
-</p:notes>
-</file>
-
 <file path=ppt/slideLayouts/slideLayout1.xml><?xml version="1.0" encoding="utf-8"?>
 <p:sldLayout xmlns:a="http://schemas.openxmlformats.org/drawingml/2006/main" xmlns:r="http://schemas.openxmlformats.org/officeDocument/2006/relationships" xmlns:p="http://schemas.openxmlformats.org/presentationml/2006/main" preserve="1">
   <p:cSld name="DEFAULT">
@@ -1448,8 +1266,8 @@
         </p:nvSpPr>
         <p:spPr>
           <a:xfrm>
-            <a:off x="1124363" y="6094115"/>
-            <a:ext cx="757247" cy="120650"/>
+            <a:off x="1257184" y="5349875"/>
+            <a:ext cx="528505" cy="101600"/>
           </a:xfrm>
           <a:prstGeom prst="rect">
             <a:avLst/>
@@ -1488,8 +1306,8 @@
         </p:nvSpPr>
         <p:spPr>
           <a:xfrm>
-            <a:off x="1124363" y="12795052"/>
-            <a:ext cx="958313" cy="120650"/>
+            <a:off x="1887264" y="5349875"/>
+            <a:ext cx="649125" cy="101600"/>
           </a:xfrm>
           <a:prstGeom prst="rect">
             <a:avLst/>
@@ -1528,8 +1346,8 @@
         </p:nvSpPr>
         <p:spPr>
           <a:xfrm>
-            <a:off x="1208182" y="20418425"/>
-            <a:ext cx="616590" cy="127000"/>
+            <a:off x="1257184" y="12538075"/>
+            <a:ext cx="649125" cy="101600"/>
           </a:xfrm>
           <a:prstGeom prst="rect">
             <a:avLst/>
@@ -1568,8 +1386,8 @@
         </p:nvSpPr>
         <p:spPr>
           <a:xfrm>
-            <a:off x="1926346" y="20418425"/>
-            <a:ext cx="656565" cy="127000"/>
+            <a:off x="2007884" y="12538075"/>
+            <a:ext cx="821425" cy="101600"/>
           </a:xfrm>
           <a:prstGeom prst="rect">
             <a:avLst/>
@@ -1608,128 +1426,8 @@
         </p:nvSpPr>
         <p:spPr>
           <a:xfrm>
-            <a:off x="2684486" y="20418425"/>
-            <a:ext cx="901772" cy="127000"/>
-          </a:xfrm>
-          <a:prstGeom prst="rect">
-            <a:avLst/>
-          </a:prstGeom>
-          <a:solidFill>
-            <a:srgbClr val="FFFFFF">
-              <a:alpha val="0"/>
-            </a:srgbClr>
-          </a:solidFill>
-          <a:ln/>
-        </p:spPr>
-        <p:txBody>
-          <a:bodyPr wrap="square" rtlCol="0" anchor="ctr"/>
-          <a:lstStyle/>
-          <a:p>
-            <a:pPr indent="0" marL="0">
-              <a:buNone/>
-            </a:pPr>
-            <a:r>
-              <a:rPr lang="en-US" dirty="0">
-                <a:solidFill>
-                  <a:srgbClr val="000000"/>
-                </a:solidFill>
-              </a:rPr>
-              <a:t> </a:t>
-            </a:r>
-            <a:endParaRPr lang="en-US" dirty="0"/>
-          </a:p>
-        </p:txBody>
-      </p:sp>
-      <p:sp>
-        <p:nvSpPr>
-          <p:cNvPr id="8" name="Text 5"/>
-          <p:cNvSpPr/>
-          <p:nvPr/>
-        </p:nvSpPr>
-        <p:spPr>
-          <a:xfrm>
-            <a:off x="1208182" y="28171775"/>
-            <a:ext cx="713204" cy="127000"/>
-          </a:xfrm>
-          <a:prstGeom prst="rect">
-            <a:avLst/>
-          </a:prstGeom>
-          <a:solidFill>
-            <a:srgbClr val="FFFFFF">
-              <a:alpha val="0"/>
-            </a:srgbClr>
-          </a:solidFill>
-          <a:ln/>
-        </p:spPr>
-        <p:txBody>
-          <a:bodyPr wrap="square" rtlCol="0" anchor="ctr"/>
-          <a:lstStyle/>
-          <a:p>
-            <a:pPr indent="0" marL="0">
-              <a:buNone/>
-            </a:pPr>
-            <a:r>
-              <a:rPr lang="en-US" dirty="0">
-                <a:solidFill>
-                  <a:srgbClr val="000000"/>
-                </a:solidFill>
-              </a:rPr>
-              <a:t> </a:t>
-            </a:r>
-            <a:endParaRPr lang="en-US" dirty="0"/>
-          </a:p>
-        </p:txBody>
-      </p:sp>
-      <p:sp>
-        <p:nvSpPr>
-          <p:cNvPr id="9" name="Text 6"/>
-          <p:cNvSpPr/>
-          <p:nvPr/>
-        </p:nvSpPr>
-        <p:spPr>
-          <a:xfrm>
-            <a:off x="2022961" y="28171775"/>
-            <a:ext cx="710030" cy="127000"/>
-          </a:xfrm>
-          <a:prstGeom prst="rect">
-            <a:avLst/>
-          </a:prstGeom>
-          <a:solidFill>
-            <a:srgbClr val="FFFFFF">
-              <a:alpha val="0"/>
-            </a:srgbClr>
-          </a:solidFill>
-          <a:ln/>
-        </p:spPr>
-        <p:txBody>
-          <a:bodyPr wrap="square" rtlCol="0" anchor="ctr"/>
-          <a:lstStyle/>
-          <a:p>
-            <a:pPr indent="0" marL="0">
-              <a:buNone/>
-            </a:pPr>
-            <a:r>
-              <a:rPr lang="en-US" dirty="0">
-                <a:solidFill>
-                  <a:srgbClr val="000000"/>
-                </a:solidFill>
-              </a:rPr>
-              <a:t> </a:t>
-            </a:r>
-            <a:endParaRPr lang="en-US" dirty="0"/>
-          </a:p>
-        </p:txBody>
-      </p:sp>
-      <p:sp>
-        <p:nvSpPr>
-          <p:cNvPr id="10" name="Text 7"/>
-          <p:cNvSpPr/>
-          <p:nvPr/>
-        </p:nvSpPr>
-        <p:spPr>
-          <a:xfrm>
-            <a:off x="609448" y="50888900"/>
-            <a:ext cx="10970057" cy="304800"/>
+            <a:off x="2930884" y="12538075"/>
+            <a:ext cx="611332" cy="101600"/>
           </a:xfrm>
           <a:prstGeom prst="rect">
             <a:avLst/>
@@ -1817,8 +1515,8 @@
         </p:nvSpPr>
         <p:spPr>
           <a:xfrm>
-            <a:off x="1124363" y="-1779885"/>
-            <a:ext cx="757247" cy="120650"/>
+            <a:off x="1257184" y="-2524125"/>
+            <a:ext cx="528505" cy="101600"/>
           </a:xfrm>
           <a:prstGeom prst="rect">
             <a:avLst/>
@@ -1857,8 +1555,8 @@
         </p:nvSpPr>
         <p:spPr>
           <a:xfrm>
-            <a:off x="1124363" y="4921052"/>
-            <a:ext cx="958313" cy="120650"/>
+            <a:off x="1887264" y="-2524125"/>
+            <a:ext cx="649125" cy="101600"/>
           </a:xfrm>
           <a:prstGeom prst="rect">
             <a:avLst/>
@@ -1897,8 +1595,8 @@
         </p:nvSpPr>
         <p:spPr>
           <a:xfrm>
-            <a:off x="1208182" y="12544425"/>
-            <a:ext cx="616590" cy="127000"/>
+            <a:off x="1257184" y="4664075"/>
+            <a:ext cx="649125" cy="101600"/>
           </a:xfrm>
           <a:prstGeom prst="rect">
             <a:avLst/>
@@ -1937,8 +1635,8 @@
         </p:nvSpPr>
         <p:spPr>
           <a:xfrm>
-            <a:off x="1926346" y="12544425"/>
-            <a:ext cx="656565" cy="127000"/>
+            <a:off x="2007884" y="4664075"/>
+            <a:ext cx="821425" cy="101600"/>
           </a:xfrm>
           <a:prstGeom prst="rect">
             <a:avLst/>
@@ -1977,128 +1675,8 @@
         </p:nvSpPr>
         <p:spPr>
           <a:xfrm>
-            <a:off x="2684486" y="12544425"/>
-            <a:ext cx="901772" cy="127000"/>
-          </a:xfrm>
-          <a:prstGeom prst="rect">
-            <a:avLst/>
-          </a:prstGeom>
-          <a:solidFill>
-            <a:srgbClr val="FFFFFF">
-              <a:alpha val="0"/>
-            </a:srgbClr>
-          </a:solidFill>
-          <a:ln/>
-        </p:spPr>
-        <p:txBody>
-          <a:bodyPr wrap="square" rtlCol="0" anchor="ctr"/>
-          <a:lstStyle/>
-          <a:p>
-            <a:pPr indent="0" marL="0">
-              <a:buNone/>
-            </a:pPr>
-            <a:r>
-              <a:rPr lang="en-US" dirty="0">
-                <a:solidFill>
-                  <a:srgbClr val="000000"/>
-                </a:solidFill>
-              </a:rPr>
-              <a:t> </a:t>
-            </a:r>
-            <a:endParaRPr lang="en-US" dirty="0"/>
-          </a:p>
-        </p:txBody>
-      </p:sp>
-      <p:sp>
-        <p:nvSpPr>
-          <p:cNvPr id="8" name="Text 5"/>
-          <p:cNvSpPr/>
-          <p:nvPr/>
-        </p:nvSpPr>
-        <p:spPr>
-          <a:xfrm>
-            <a:off x="1208182" y="20297775"/>
-            <a:ext cx="713204" cy="127000"/>
-          </a:xfrm>
-          <a:prstGeom prst="rect">
-            <a:avLst/>
-          </a:prstGeom>
-          <a:solidFill>
-            <a:srgbClr val="FFFFFF">
-              <a:alpha val="0"/>
-            </a:srgbClr>
-          </a:solidFill>
-          <a:ln/>
-        </p:spPr>
-        <p:txBody>
-          <a:bodyPr wrap="square" rtlCol="0" anchor="ctr"/>
-          <a:lstStyle/>
-          <a:p>
-            <a:pPr indent="0" marL="0">
-              <a:buNone/>
-            </a:pPr>
-            <a:r>
-              <a:rPr lang="en-US" dirty="0">
-                <a:solidFill>
-                  <a:srgbClr val="000000"/>
-                </a:solidFill>
-              </a:rPr>
-              <a:t> </a:t>
-            </a:r>
-            <a:endParaRPr lang="en-US" dirty="0"/>
-          </a:p>
-        </p:txBody>
-      </p:sp>
-      <p:sp>
-        <p:nvSpPr>
-          <p:cNvPr id="9" name="Text 6"/>
-          <p:cNvSpPr/>
-          <p:nvPr/>
-        </p:nvSpPr>
-        <p:spPr>
-          <a:xfrm>
-            <a:off x="2022961" y="20297775"/>
-            <a:ext cx="710030" cy="127000"/>
-          </a:xfrm>
-          <a:prstGeom prst="rect">
-            <a:avLst/>
-          </a:prstGeom>
-          <a:solidFill>
-            <a:srgbClr val="FFFFFF">
-              <a:alpha val="0"/>
-            </a:srgbClr>
-          </a:solidFill>
-          <a:ln/>
-        </p:spPr>
-        <p:txBody>
-          <a:bodyPr wrap="square" rtlCol="0" anchor="ctr"/>
-          <a:lstStyle/>
-          <a:p>
-            <a:pPr indent="0" marL="0">
-              <a:buNone/>
-            </a:pPr>
-            <a:r>
-              <a:rPr lang="en-US" dirty="0">
-                <a:solidFill>
-                  <a:srgbClr val="000000"/>
-                </a:solidFill>
-              </a:rPr>
-              <a:t> </a:t>
-            </a:r>
-            <a:endParaRPr lang="en-US" dirty="0"/>
-          </a:p>
-        </p:txBody>
-      </p:sp>
-      <p:sp>
-        <p:nvSpPr>
-          <p:cNvPr id="10" name="Text 7"/>
-          <p:cNvSpPr/>
-          <p:nvPr/>
-        </p:nvSpPr>
-        <p:spPr>
-          <a:xfrm>
-            <a:off x="609448" y="43014900"/>
-            <a:ext cx="10970057" cy="304800"/>
+            <a:off x="2930884" y="4664075"/>
+            <a:ext cx="611332" cy="101600"/>
           </a:xfrm>
           <a:prstGeom prst="rect">
             <a:avLst/>
@@ -2186,8 +1764,8 @@
         </p:nvSpPr>
         <p:spPr>
           <a:xfrm>
-            <a:off x="1124363" y="-9653885"/>
-            <a:ext cx="757247" cy="120650"/>
+            <a:off x="1257184" y="-10398125"/>
+            <a:ext cx="528505" cy="101600"/>
           </a:xfrm>
           <a:prstGeom prst="rect">
             <a:avLst/>
@@ -2226,8 +1804,8 @@
         </p:nvSpPr>
         <p:spPr>
           <a:xfrm>
-            <a:off x="1124363" y="-2952948"/>
-            <a:ext cx="958313" cy="120650"/>
+            <a:off x="1887264" y="-10398125"/>
+            <a:ext cx="649125" cy="101600"/>
           </a:xfrm>
           <a:prstGeom prst="rect">
             <a:avLst/>
@@ -2266,8 +1844,8 @@
         </p:nvSpPr>
         <p:spPr>
           <a:xfrm>
-            <a:off x="1208182" y="4670425"/>
-            <a:ext cx="616590" cy="127000"/>
+            <a:off x="1257184" y="-3209925"/>
+            <a:ext cx="649125" cy="101600"/>
           </a:xfrm>
           <a:prstGeom prst="rect">
             <a:avLst/>
@@ -2306,8 +1884,8 @@
         </p:nvSpPr>
         <p:spPr>
           <a:xfrm>
-            <a:off x="1926346" y="4670425"/>
-            <a:ext cx="656565" cy="127000"/>
+            <a:off x="2007884" y="-3209925"/>
+            <a:ext cx="821425" cy="101600"/>
           </a:xfrm>
           <a:prstGeom prst="rect">
             <a:avLst/>
@@ -2346,128 +1924,8 @@
         </p:nvSpPr>
         <p:spPr>
           <a:xfrm>
-            <a:off x="2684486" y="4670425"/>
-            <a:ext cx="901772" cy="127000"/>
-          </a:xfrm>
-          <a:prstGeom prst="rect">
-            <a:avLst/>
-          </a:prstGeom>
-          <a:solidFill>
-            <a:srgbClr val="FFFFFF">
-              <a:alpha val="0"/>
-            </a:srgbClr>
-          </a:solidFill>
-          <a:ln/>
-        </p:spPr>
-        <p:txBody>
-          <a:bodyPr wrap="square" rtlCol="0" anchor="ctr"/>
-          <a:lstStyle/>
-          <a:p>
-            <a:pPr indent="0" marL="0">
-              <a:buNone/>
-            </a:pPr>
-            <a:r>
-              <a:rPr lang="en-US" dirty="0">
-                <a:solidFill>
-                  <a:srgbClr val="000000"/>
-                </a:solidFill>
-              </a:rPr>
-              <a:t> </a:t>
-            </a:r>
-            <a:endParaRPr lang="en-US" dirty="0"/>
-          </a:p>
-        </p:txBody>
-      </p:sp>
-      <p:sp>
-        <p:nvSpPr>
-          <p:cNvPr id="8" name="Text 5"/>
-          <p:cNvSpPr/>
-          <p:nvPr/>
-        </p:nvSpPr>
-        <p:spPr>
-          <a:xfrm>
-            <a:off x="1208182" y="12423775"/>
-            <a:ext cx="713204" cy="127000"/>
-          </a:xfrm>
-          <a:prstGeom prst="rect">
-            <a:avLst/>
-          </a:prstGeom>
-          <a:solidFill>
-            <a:srgbClr val="FFFFFF">
-              <a:alpha val="0"/>
-            </a:srgbClr>
-          </a:solidFill>
-          <a:ln/>
-        </p:spPr>
-        <p:txBody>
-          <a:bodyPr wrap="square" rtlCol="0" anchor="ctr"/>
-          <a:lstStyle/>
-          <a:p>
-            <a:pPr indent="0" marL="0">
-              <a:buNone/>
-            </a:pPr>
-            <a:r>
-              <a:rPr lang="en-US" dirty="0">
-                <a:solidFill>
-                  <a:srgbClr val="000000"/>
-                </a:solidFill>
-              </a:rPr>
-              <a:t> </a:t>
-            </a:r>
-            <a:endParaRPr lang="en-US" dirty="0"/>
-          </a:p>
-        </p:txBody>
-      </p:sp>
-      <p:sp>
-        <p:nvSpPr>
-          <p:cNvPr id="9" name="Text 6"/>
-          <p:cNvSpPr/>
-          <p:nvPr/>
-        </p:nvSpPr>
-        <p:spPr>
-          <a:xfrm>
-            <a:off x="2022961" y="12423775"/>
-            <a:ext cx="710030" cy="127000"/>
-          </a:xfrm>
-          <a:prstGeom prst="rect">
-            <a:avLst/>
-          </a:prstGeom>
-          <a:solidFill>
-            <a:srgbClr val="FFFFFF">
-              <a:alpha val="0"/>
-            </a:srgbClr>
-          </a:solidFill>
-          <a:ln/>
-        </p:spPr>
-        <p:txBody>
-          <a:bodyPr wrap="square" rtlCol="0" anchor="ctr"/>
-          <a:lstStyle/>
-          <a:p>
-            <a:pPr indent="0" marL="0">
-              <a:buNone/>
-            </a:pPr>
-            <a:r>
-              <a:rPr lang="en-US" dirty="0">
-                <a:solidFill>
-                  <a:srgbClr val="000000"/>
-                </a:solidFill>
-              </a:rPr>
-              <a:t> </a:t>
-            </a:r>
-            <a:endParaRPr lang="en-US" dirty="0"/>
-          </a:p>
-        </p:txBody>
-      </p:sp>
-      <p:sp>
-        <p:nvSpPr>
-          <p:cNvPr id="10" name="Text 7"/>
-          <p:cNvSpPr/>
-          <p:nvPr/>
-        </p:nvSpPr>
-        <p:spPr>
-          <a:xfrm>
-            <a:off x="609448" y="35140900"/>
-            <a:ext cx="10970057" cy="304800"/>
+            <a:off x="2930884" y="-3209925"/>
+            <a:ext cx="611332" cy="101600"/>
           </a:xfrm>
           <a:prstGeom prst="rect">
             <a:avLst/>
@@ -2555,8 +2013,8 @@
         </p:nvSpPr>
         <p:spPr>
           <a:xfrm>
-            <a:off x="1124363" y="-17527885"/>
-            <a:ext cx="757247" cy="120650"/>
+            <a:off x="1257184" y="-18272125"/>
+            <a:ext cx="528505" cy="101600"/>
           </a:xfrm>
           <a:prstGeom prst="rect">
             <a:avLst/>
@@ -2595,8 +2053,8 @@
         </p:nvSpPr>
         <p:spPr>
           <a:xfrm>
-            <a:off x="1124363" y="-10826948"/>
-            <a:ext cx="958313" cy="120650"/>
+            <a:off x="1887264" y="-18272125"/>
+            <a:ext cx="649125" cy="101600"/>
           </a:xfrm>
           <a:prstGeom prst="rect">
             <a:avLst/>
@@ -2635,8 +2093,8 @@
         </p:nvSpPr>
         <p:spPr>
           <a:xfrm>
-            <a:off x="1208182" y="-3203575"/>
-            <a:ext cx="616590" cy="127000"/>
+            <a:off x="1257184" y="-11083925"/>
+            <a:ext cx="649125" cy="101600"/>
           </a:xfrm>
           <a:prstGeom prst="rect">
             <a:avLst/>
@@ -2675,8 +2133,8 @@
         </p:nvSpPr>
         <p:spPr>
           <a:xfrm>
-            <a:off x="1926346" y="-3203575"/>
-            <a:ext cx="656565" cy="127000"/>
+            <a:off x="2007884" y="-11083925"/>
+            <a:ext cx="821425" cy="101600"/>
           </a:xfrm>
           <a:prstGeom prst="rect">
             <a:avLst/>
@@ -2715,128 +2173,8 @@
         </p:nvSpPr>
         <p:spPr>
           <a:xfrm>
-            <a:off x="2684486" y="-3203575"/>
-            <a:ext cx="901772" cy="127000"/>
-          </a:xfrm>
-          <a:prstGeom prst="rect">
-            <a:avLst/>
-          </a:prstGeom>
-          <a:solidFill>
-            <a:srgbClr val="FFFFFF">
-              <a:alpha val="0"/>
-            </a:srgbClr>
-          </a:solidFill>
-          <a:ln/>
-        </p:spPr>
-        <p:txBody>
-          <a:bodyPr wrap="square" rtlCol="0" anchor="ctr"/>
-          <a:lstStyle/>
-          <a:p>
-            <a:pPr indent="0" marL="0">
-              <a:buNone/>
-            </a:pPr>
-            <a:r>
-              <a:rPr lang="en-US" dirty="0">
-                <a:solidFill>
-                  <a:srgbClr val="000000"/>
-                </a:solidFill>
-              </a:rPr>
-              <a:t> </a:t>
-            </a:r>
-            <a:endParaRPr lang="en-US" dirty="0"/>
-          </a:p>
-        </p:txBody>
-      </p:sp>
-      <p:sp>
-        <p:nvSpPr>
-          <p:cNvPr id="8" name="Text 5"/>
-          <p:cNvSpPr/>
-          <p:nvPr/>
-        </p:nvSpPr>
-        <p:spPr>
-          <a:xfrm>
-            <a:off x="1208182" y="4549775"/>
-            <a:ext cx="713204" cy="127000"/>
-          </a:xfrm>
-          <a:prstGeom prst="rect">
-            <a:avLst/>
-          </a:prstGeom>
-          <a:solidFill>
-            <a:srgbClr val="FFFFFF">
-              <a:alpha val="0"/>
-            </a:srgbClr>
-          </a:solidFill>
-          <a:ln/>
-        </p:spPr>
-        <p:txBody>
-          <a:bodyPr wrap="square" rtlCol="0" anchor="ctr"/>
-          <a:lstStyle/>
-          <a:p>
-            <a:pPr indent="0" marL="0">
-              <a:buNone/>
-            </a:pPr>
-            <a:r>
-              <a:rPr lang="en-US" dirty="0">
-                <a:solidFill>
-                  <a:srgbClr val="000000"/>
-                </a:solidFill>
-              </a:rPr>
-              <a:t> </a:t>
-            </a:r>
-            <a:endParaRPr lang="en-US" dirty="0"/>
-          </a:p>
-        </p:txBody>
-      </p:sp>
-      <p:sp>
-        <p:nvSpPr>
-          <p:cNvPr id="9" name="Text 6"/>
-          <p:cNvSpPr/>
-          <p:nvPr/>
-        </p:nvSpPr>
-        <p:spPr>
-          <a:xfrm>
-            <a:off x="2022961" y="4549775"/>
-            <a:ext cx="710030" cy="127000"/>
-          </a:xfrm>
-          <a:prstGeom prst="rect">
-            <a:avLst/>
-          </a:prstGeom>
-          <a:solidFill>
-            <a:srgbClr val="FFFFFF">
-              <a:alpha val="0"/>
-            </a:srgbClr>
-          </a:solidFill>
-          <a:ln/>
-        </p:spPr>
-        <p:txBody>
-          <a:bodyPr wrap="square" rtlCol="0" anchor="ctr"/>
-          <a:lstStyle/>
-          <a:p>
-            <a:pPr indent="0" marL="0">
-              <a:buNone/>
-            </a:pPr>
-            <a:r>
-              <a:rPr lang="en-US" dirty="0">
-                <a:solidFill>
-                  <a:srgbClr val="000000"/>
-                </a:solidFill>
-              </a:rPr>
-              <a:t> </a:t>
-            </a:r>
-            <a:endParaRPr lang="en-US" dirty="0"/>
-          </a:p>
-        </p:txBody>
-      </p:sp>
-      <p:sp>
-        <p:nvSpPr>
-          <p:cNvPr id="10" name="Text 7"/>
-          <p:cNvSpPr/>
-          <p:nvPr/>
-        </p:nvSpPr>
-        <p:spPr>
-          <a:xfrm>
-            <a:off x="609448" y="27266900"/>
-            <a:ext cx="10970057" cy="304800"/>
+            <a:off x="2930884" y="-11083925"/>
+            <a:ext cx="611332" cy="101600"/>
           </a:xfrm>
           <a:prstGeom prst="rect">
             <a:avLst/>
@@ -2924,8 +2262,8 @@
         </p:nvSpPr>
         <p:spPr>
           <a:xfrm>
-            <a:off x="1124363" y="-25401885"/>
-            <a:ext cx="757247" cy="120650"/>
+            <a:off x="1257184" y="-26146125"/>
+            <a:ext cx="528505" cy="101600"/>
           </a:xfrm>
           <a:prstGeom prst="rect">
             <a:avLst/>
@@ -2964,8 +2302,8 @@
         </p:nvSpPr>
         <p:spPr>
           <a:xfrm>
-            <a:off x="1124363" y="-18700948"/>
-            <a:ext cx="958313" cy="120650"/>
+            <a:off x="1887264" y="-26146125"/>
+            <a:ext cx="649125" cy="101600"/>
           </a:xfrm>
           <a:prstGeom prst="rect">
             <a:avLst/>
@@ -3004,8 +2342,8 @@
         </p:nvSpPr>
         <p:spPr>
           <a:xfrm>
-            <a:off x="1208182" y="-11077575"/>
-            <a:ext cx="616590" cy="127000"/>
+            <a:off x="1257184" y="-18957925"/>
+            <a:ext cx="649125" cy="101600"/>
           </a:xfrm>
           <a:prstGeom prst="rect">
             <a:avLst/>
@@ -3044,8 +2382,8 @@
         </p:nvSpPr>
         <p:spPr>
           <a:xfrm>
-            <a:off x="1926346" y="-11077575"/>
-            <a:ext cx="656565" cy="127000"/>
+            <a:off x="2007884" y="-18957925"/>
+            <a:ext cx="821425" cy="101600"/>
           </a:xfrm>
           <a:prstGeom prst="rect">
             <a:avLst/>
@@ -3084,866 +2422,8 @@
         </p:nvSpPr>
         <p:spPr>
           <a:xfrm>
-            <a:off x="2684486" y="-11077575"/>
-            <a:ext cx="901772" cy="127000"/>
-          </a:xfrm>
-          <a:prstGeom prst="rect">
-            <a:avLst/>
-          </a:prstGeom>
-          <a:solidFill>
-            <a:srgbClr val="FFFFFF">
-              <a:alpha val="0"/>
-            </a:srgbClr>
-          </a:solidFill>
-          <a:ln/>
-        </p:spPr>
-        <p:txBody>
-          <a:bodyPr wrap="square" rtlCol="0" anchor="ctr"/>
-          <a:lstStyle/>
-          <a:p>
-            <a:pPr indent="0" marL="0">
-              <a:buNone/>
-            </a:pPr>
-            <a:r>
-              <a:rPr lang="en-US" dirty="0">
-                <a:solidFill>
-                  <a:srgbClr val="000000"/>
-                </a:solidFill>
-              </a:rPr>
-              <a:t> </a:t>
-            </a:r>
-            <a:endParaRPr lang="en-US" dirty="0"/>
-          </a:p>
-        </p:txBody>
-      </p:sp>
-      <p:sp>
-        <p:nvSpPr>
-          <p:cNvPr id="8" name="Text 5"/>
-          <p:cNvSpPr/>
-          <p:nvPr/>
-        </p:nvSpPr>
-        <p:spPr>
-          <a:xfrm>
-            <a:off x="1208182" y="-3324225"/>
-            <a:ext cx="713204" cy="127000"/>
-          </a:xfrm>
-          <a:prstGeom prst="rect">
-            <a:avLst/>
-          </a:prstGeom>
-          <a:solidFill>
-            <a:srgbClr val="FFFFFF">
-              <a:alpha val="0"/>
-            </a:srgbClr>
-          </a:solidFill>
-          <a:ln/>
-        </p:spPr>
-        <p:txBody>
-          <a:bodyPr wrap="square" rtlCol="0" anchor="ctr"/>
-          <a:lstStyle/>
-          <a:p>
-            <a:pPr indent="0" marL="0">
-              <a:buNone/>
-            </a:pPr>
-            <a:r>
-              <a:rPr lang="en-US" dirty="0">
-                <a:solidFill>
-                  <a:srgbClr val="000000"/>
-                </a:solidFill>
-              </a:rPr>
-              <a:t> </a:t>
-            </a:r>
-            <a:endParaRPr lang="en-US" dirty="0"/>
-          </a:p>
-        </p:txBody>
-      </p:sp>
-      <p:sp>
-        <p:nvSpPr>
-          <p:cNvPr id="9" name="Text 6"/>
-          <p:cNvSpPr/>
-          <p:nvPr/>
-        </p:nvSpPr>
-        <p:spPr>
-          <a:xfrm>
-            <a:off x="2022961" y="-3324225"/>
-            <a:ext cx="710030" cy="127000"/>
-          </a:xfrm>
-          <a:prstGeom prst="rect">
-            <a:avLst/>
-          </a:prstGeom>
-          <a:solidFill>
-            <a:srgbClr val="FFFFFF">
-              <a:alpha val="0"/>
-            </a:srgbClr>
-          </a:solidFill>
-          <a:ln/>
-        </p:spPr>
-        <p:txBody>
-          <a:bodyPr wrap="square" rtlCol="0" anchor="ctr"/>
-          <a:lstStyle/>
-          <a:p>
-            <a:pPr indent="0" marL="0">
-              <a:buNone/>
-            </a:pPr>
-            <a:r>
-              <a:rPr lang="en-US" dirty="0">
-                <a:solidFill>
-                  <a:srgbClr val="000000"/>
-                </a:solidFill>
-              </a:rPr>
-              <a:t> </a:t>
-            </a:r>
-            <a:endParaRPr lang="en-US" dirty="0"/>
-          </a:p>
-        </p:txBody>
-      </p:sp>
-      <p:sp>
-        <p:nvSpPr>
-          <p:cNvPr id="10" name="Text 7"/>
-          <p:cNvSpPr/>
-          <p:nvPr/>
-        </p:nvSpPr>
-        <p:spPr>
-          <a:xfrm>
-            <a:off x="609448" y="19392900"/>
-            <a:ext cx="10970057" cy="304800"/>
-          </a:xfrm>
-          <a:prstGeom prst="rect">
-            <a:avLst/>
-          </a:prstGeom>
-          <a:solidFill>
-            <a:srgbClr val="FFFFFF">
-              <a:alpha val="0"/>
-            </a:srgbClr>
-          </a:solidFill>
-          <a:ln/>
-        </p:spPr>
-        <p:txBody>
-          <a:bodyPr wrap="square" rtlCol="0" anchor="ctr"/>
-          <a:lstStyle/>
-          <a:p>
-            <a:pPr indent="0" marL="0">
-              <a:buNone/>
-            </a:pPr>
-            <a:r>
-              <a:rPr lang="en-US" dirty="0">
-                <a:solidFill>
-                  <a:srgbClr val="000000"/>
-                </a:solidFill>
-              </a:rPr>
-              <a:t> </a:t>
-            </a:r>
-            <a:endParaRPr lang="en-US" dirty="0"/>
-          </a:p>
-        </p:txBody>
-      </p:sp>
-    </p:spTree>
-  </p:cSld>
-  <p:clrMapOvr>
-    <a:masterClrMapping/>
-  </p:clrMapOvr>
-</p:sld>
-</file>
-
-<file path=ppt/slides/slide6.xml><?xml version="1.0" encoding="utf-8"?>
-<p:sld xmlns:a="http://schemas.openxmlformats.org/drawingml/2006/main" xmlns:r="http://schemas.openxmlformats.org/officeDocument/2006/relationships" xmlns:p="http://schemas.openxmlformats.org/presentationml/2006/main">
-  <p:cSld name="Slide 6">
-    <p:spTree>
-      <p:nvGrpSpPr>
-        <p:cNvPr id="1" name=""/>
-        <p:cNvGrpSpPr/>
-        <p:nvPr/>
-      </p:nvGrpSpPr>
-      <p:grpSpPr>
-        <a:xfrm>
-          <a:off x="0" y="0"/>
-          <a:ext cx="0" cy="0"/>
-          <a:chOff x="0" y="0"/>
-          <a:chExt cx="0" cy="0"/>
-        </a:xfrm>
-      </p:grpSpPr>
-      <p:pic>
-        <p:nvPicPr>
-          <p:cNvPr id="2" name="Image 0" descr="preencoded.png">    </p:cNvPr>
-          <p:cNvPicPr>
-            <a:picLocks noChangeAspect="1"/>
-          </p:cNvPicPr>
-          <p:nvPr/>
-        </p:nvPicPr>
-        <p:blipFill>
-          <a:blip r:embed="rId1"/>
-          <a:stretch>
-            <a:fillRect/>
-          </a:stretch>
-        </p:blipFill>
-        <p:spPr>
-          <a:xfrm>
-            <a:off x="0" y="0"/>
-            <a:ext cx="12188952" cy="6858000"/>
-          </a:xfrm>
-          <a:prstGeom prst="rect">
-            <a:avLst/>
-          </a:prstGeom>
-        </p:spPr>
-      </p:pic>
-      <p:sp>
-        <p:nvSpPr>
-          <p:cNvPr id="3" name="Text 0"/>
-          <p:cNvSpPr/>
-          <p:nvPr/>
-        </p:nvSpPr>
-        <p:spPr>
-          <a:xfrm>
-            <a:off x="1124363" y="-33275885"/>
-            <a:ext cx="757247" cy="120650"/>
-          </a:xfrm>
-          <a:prstGeom prst="rect">
-            <a:avLst/>
-          </a:prstGeom>
-          <a:solidFill>
-            <a:srgbClr val="FFFFFF">
-              <a:alpha val="0"/>
-            </a:srgbClr>
-          </a:solidFill>
-          <a:ln/>
-        </p:spPr>
-        <p:txBody>
-          <a:bodyPr wrap="square" rtlCol="0" anchor="ctr"/>
-          <a:lstStyle/>
-          <a:p>
-            <a:pPr indent="0" marL="0">
-              <a:buNone/>
-            </a:pPr>
-            <a:r>
-              <a:rPr lang="en-US" dirty="0">
-                <a:solidFill>
-                  <a:srgbClr val="000000"/>
-                </a:solidFill>
-              </a:rPr>
-              <a:t> </a:t>
-            </a:r>
-            <a:endParaRPr lang="en-US" dirty="0"/>
-          </a:p>
-        </p:txBody>
-      </p:sp>
-      <p:sp>
-        <p:nvSpPr>
-          <p:cNvPr id="4" name="Text 1"/>
-          <p:cNvSpPr/>
-          <p:nvPr/>
-        </p:nvSpPr>
-        <p:spPr>
-          <a:xfrm>
-            <a:off x="1124363" y="-26574948"/>
-            <a:ext cx="958313" cy="120650"/>
-          </a:xfrm>
-          <a:prstGeom prst="rect">
-            <a:avLst/>
-          </a:prstGeom>
-          <a:solidFill>
-            <a:srgbClr val="FFFFFF">
-              <a:alpha val="0"/>
-            </a:srgbClr>
-          </a:solidFill>
-          <a:ln/>
-        </p:spPr>
-        <p:txBody>
-          <a:bodyPr wrap="square" rtlCol="0" anchor="ctr"/>
-          <a:lstStyle/>
-          <a:p>
-            <a:pPr indent="0" marL="0">
-              <a:buNone/>
-            </a:pPr>
-            <a:r>
-              <a:rPr lang="en-US" dirty="0">
-                <a:solidFill>
-                  <a:srgbClr val="000000"/>
-                </a:solidFill>
-              </a:rPr>
-              <a:t> </a:t>
-            </a:r>
-            <a:endParaRPr lang="en-US" dirty="0"/>
-          </a:p>
-        </p:txBody>
-      </p:sp>
-      <p:sp>
-        <p:nvSpPr>
-          <p:cNvPr id="5" name="Text 2"/>
-          <p:cNvSpPr/>
-          <p:nvPr/>
-        </p:nvSpPr>
-        <p:spPr>
-          <a:xfrm>
-            <a:off x="1208182" y="-18951575"/>
-            <a:ext cx="616590" cy="127000"/>
-          </a:xfrm>
-          <a:prstGeom prst="rect">
-            <a:avLst/>
-          </a:prstGeom>
-          <a:solidFill>
-            <a:srgbClr val="FFFFFF">
-              <a:alpha val="0"/>
-            </a:srgbClr>
-          </a:solidFill>
-          <a:ln/>
-        </p:spPr>
-        <p:txBody>
-          <a:bodyPr wrap="square" rtlCol="0" anchor="ctr"/>
-          <a:lstStyle/>
-          <a:p>
-            <a:pPr indent="0" marL="0">
-              <a:buNone/>
-            </a:pPr>
-            <a:r>
-              <a:rPr lang="en-US" dirty="0">
-                <a:solidFill>
-                  <a:srgbClr val="000000"/>
-                </a:solidFill>
-              </a:rPr>
-              <a:t> </a:t>
-            </a:r>
-            <a:endParaRPr lang="en-US" dirty="0"/>
-          </a:p>
-        </p:txBody>
-      </p:sp>
-      <p:sp>
-        <p:nvSpPr>
-          <p:cNvPr id="6" name="Text 3"/>
-          <p:cNvSpPr/>
-          <p:nvPr/>
-        </p:nvSpPr>
-        <p:spPr>
-          <a:xfrm>
-            <a:off x="1926346" y="-18951575"/>
-            <a:ext cx="656565" cy="127000"/>
-          </a:xfrm>
-          <a:prstGeom prst="rect">
-            <a:avLst/>
-          </a:prstGeom>
-          <a:solidFill>
-            <a:srgbClr val="FFFFFF">
-              <a:alpha val="0"/>
-            </a:srgbClr>
-          </a:solidFill>
-          <a:ln/>
-        </p:spPr>
-        <p:txBody>
-          <a:bodyPr wrap="square" rtlCol="0" anchor="ctr"/>
-          <a:lstStyle/>
-          <a:p>
-            <a:pPr indent="0" marL="0">
-              <a:buNone/>
-            </a:pPr>
-            <a:r>
-              <a:rPr lang="en-US" dirty="0">
-                <a:solidFill>
-                  <a:srgbClr val="000000"/>
-                </a:solidFill>
-              </a:rPr>
-              <a:t> </a:t>
-            </a:r>
-            <a:endParaRPr lang="en-US" dirty="0"/>
-          </a:p>
-        </p:txBody>
-      </p:sp>
-      <p:sp>
-        <p:nvSpPr>
-          <p:cNvPr id="7" name="Text 4"/>
-          <p:cNvSpPr/>
-          <p:nvPr/>
-        </p:nvSpPr>
-        <p:spPr>
-          <a:xfrm>
-            <a:off x="2684486" y="-18951575"/>
-            <a:ext cx="901772" cy="127000"/>
-          </a:xfrm>
-          <a:prstGeom prst="rect">
-            <a:avLst/>
-          </a:prstGeom>
-          <a:solidFill>
-            <a:srgbClr val="FFFFFF">
-              <a:alpha val="0"/>
-            </a:srgbClr>
-          </a:solidFill>
-          <a:ln/>
-        </p:spPr>
-        <p:txBody>
-          <a:bodyPr wrap="square" rtlCol="0" anchor="ctr"/>
-          <a:lstStyle/>
-          <a:p>
-            <a:pPr indent="0" marL="0">
-              <a:buNone/>
-            </a:pPr>
-            <a:r>
-              <a:rPr lang="en-US" dirty="0">
-                <a:solidFill>
-                  <a:srgbClr val="000000"/>
-                </a:solidFill>
-              </a:rPr>
-              <a:t> </a:t>
-            </a:r>
-            <a:endParaRPr lang="en-US" dirty="0"/>
-          </a:p>
-        </p:txBody>
-      </p:sp>
-      <p:sp>
-        <p:nvSpPr>
-          <p:cNvPr id="8" name="Text 5"/>
-          <p:cNvSpPr/>
-          <p:nvPr/>
-        </p:nvSpPr>
-        <p:spPr>
-          <a:xfrm>
-            <a:off x="1208182" y="-11198225"/>
-            <a:ext cx="713204" cy="127000"/>
-          </a:xfrm>
-          <a:prstGeom prst="rect">
-            <a:avLst/>
-          </a:prstGeom>
-          <a:solidFill>
-            <a:srgbClr val="FFFFFF">
-              <a:alpha val="0"/>
-            </a:srgbClr>
-          </a:solidFill>
-          <a:ln/>
-        </p:spPr>
-        <p:txBody>
-          <a:bodyPr wrap="square" rtlCol="0" anchor="ctr"/>
-          <a:lstStyle/>
-          <a:p>
-            <a:pPr indent="0" marL="0">
-              <a:buNone/>
-            </a:pPr>
-            <a:r>
-              <a:rPr lang="en-US" dirty="0">
-                <a:solidFill>
-                  <a:srgbClr val="000000"/>
-                </a:solidFill>
-              </a:rPr>
-              <a:t> </a:t>
-            </a:r>
-            <a:endParaRPr lang="en-US" dirty="0"/>
-          </a:p>
-        </p:txBody>
-      </p:sp>
-      <p:sp>
-        <p:nvSpPr>
-          <p:cNvPr id="9" name="Text 6"/>
-          <p:cNvSpPr/>
-          <p:nvPr/>
-        </p:nvSpPr>
-        <p:spPr>
-          <a:xfrm>
-            <a:off x="2022961" y="-11198225"/>
-            <a:ext cx="710030" cy="127000"/>
-          </a:xfrm>
-          <a:prstGeom prst="rect">
-            <a:avLst/>
-          </a:prstGeom>
-          <a:solidFill>
-            <a:srgbClr val="FFFFFF">
-              <a:alpha val="0"/>
-            </a:srgbClr>
-          </a:solidFill>
-          <a:ln/>
-        </p:spPr>
-        <p:txBody>
-          <a:bodyPr wrap="square" rtlCol="0" anchor="ctr"/>
-          <a:lstStyle/>
-          <a:p>
-            <a:pPr indent="0" marL="0">
-              <a:buNone/>
-            </a:pPr>
-            <a:r>
-              <a:rPr lang="en-US" dirty="0">
-                <a:solidFill>
-                  <a:srgbClr val="000000"/>
-                </a:solidFill>
-              </a:rPr>
-              <a:t> </a:t>
-            </a:r>
-            <a:endParaRPr lang="en-US" dirty="0"/>
-          </a:p>
-        </p:txBody>
-      </p:sp>
-      <p:sp>
-        <p:nvSpPr>
-          <p:cNvPr id="10" name="Text 7"/>
-          <p:cNvSpPr/>
-          <p:nvPr/>
-        </p:nvSpPr>
-        <p:spPr>
-          <a:xfrm>
-            <a:off x="609448" y="11518900"/>
-            <a:ext cx="10970057" cy="304800"/>
-          </a:xfrm>
-          <a:prstGeom prst="rect">
-            <a:avLst/>
-          </a:prstGeom>
-          <a:solidFill>
-            <a:srgbClr val="FFFFFF">
-              <a:alpha val="0"/>
-            </a:srgbClr>
-          </a:solidFill>
-          <a:ln/>
-        </p:spPr>
-        <p:txBody>
-          <a:bodyPr wrap="square" rtlCol="0" anchor="ctr"/>
-          <a:lstStyle/>
-          <a:p>
-            <a:pPr indent="0" marL="0">
-              <a:buNone/>
-            </a:pPr>
-            <a:r>
-              <a:rPr lang="en-US" dirty="0">
-                <a:solidFill>
-                  <a:srgbClr val="000000"/>
-                </a:solidFill>
-              </a:rPr>
-              <a:t> </a:t>
-            </a:r>
-            <a:endParaRPr lang="en-US" dirty="0"/>
-          </a:p>
-        </p:txBody>
-      </p:sp>
-    </p:spTree>
-  </p:cSld>
-  <p:clrMapOvr>
-    <a:masterClrMapping/>
-  </p:clrMapOvr>
-</p:sld>
-</file>
-
-<file path=ppt/slides/slide7.xml><?xml version="1.0" encoding="utf-8"?>
-<p:sld xmlns:a="http://schemas.openxmlformats.org/drawingml/2006/main" xmlns:r="http://schemas.openxmlformats.org/officeDocument/2006/relationships" xmlns:p="http://schemas.openxmlformats.org/presentationml/2006/main">
-  <p:cSld name="Slide 7">
-    <p:spTree>
-      <p:nvGrpSpPr>
-        <p:cNvPr id="1" name=""/>
-        <p:cNvGrpSpPr/>
-        <p:nvPr/>
-      </p:nvGrpSpPr>
-      <p:grpSpPr>
-        <a:xfrm>
-          <a:off x="0" y="0"/>
-          <a:ext cx="0" cy="0"/>
-          <a:chOff x="0" y="0"/>
-          <a:chExt cx="0" cy="0"/>
-        </a:xfrm>
-      </p:grpSpPr>
-      <p:pic>
-        <p:nvPicPr>
-          <p:cNvPr id="2" name="Image 0" descr="preencoded.png">    </p:cNvPr>
-          <p:cNvPicPr>
-            <a:picLocks noChangeAspect="1"/>
-          </p:cNvPicPr>
-          <p:nvPr/>
-        </p:nvPicPr>
-        <p:blipFill>
-          <a:blip r:embed="rId1"/>
-          <a:stretch>
-            <a:fillRect/>
-          </a:stretch>
-        </p:blipFill>
-        <p:spPr>
-          <a:xfrm>
-            <a:off x="0" y="0"/>
-            <a:ext cx="12188952" cy="6858000"/>
-          </a:xfrm>
-          <a:prstGeom prst="rect">
-            <a:avLst/>
-          </a:prstGeom>
-        </p:spPr>
-      </p:pic>
-      <p:sp>
-        <p:nvSpPr>
-          <p:cNvPr id="3" name="Text 0"/>
-          <p:cNvSpPr/>
-          <p:nvPr/>
-        </p:nvSpPr>
-        <p:spPr>
-          <a:xfrm>
-            <a:off x="1124363" y="-41149885"/>
-            <a:ext cx="757247" cy="120650"/>
-          </a:xfrm>
-          <a:prstGeom prst="rect">
-            <a:avLst/>
-          </a:prstGeom>
-          <a:solidFill>
-            <a:srgbClr val="FFFFFF">
-              <a:alpha val="0"/>
-            </a:srgbClr>
-          </a:solidFill>
-          <a:ln/>
-        </p:spPr>
-        <p:txBody>
-          <a:bodyPr wrap="square" rtlCol="0" anchor="ctr"/>
-          <a:lstStyle/>
-          <a:p>
-            <a:pPr indent="0" marL="0">
-              <a:buNone/>
-            </a:pPr>
-            <a:r>
-              <a:rPr lang="en-US" dirty="0">
-                <a:solidFill>
-                  <a:srgbClr val="000000"/>
-                </a:solidFill>
-              </a:rPr>
-              <a:t> </a:t>
-            </a:r>
-            <a:endParaRPr lang="en-US" dirty="0"/>
-          </a:p>
-        </p:txBody>
-      </p:sp>
-      <p:sp>
-        <p:nvSpPr>
-          <p:cNvPr id="4" name="Text 1"/>
-          <p:cNvSpPr/>
-          <p:nvPr/>
-        </p:nvSpPr>
-        <p:spPr>
-          <a:xfrm>
-            <a:off x="1124363" y="-34448948"/>
-            <a:ext cx="958313" cy="120650"/>
-          </a:xfrm>
-          <a:prstGeom prst="rect">
-            <a:avLst/>
-          </a:prstGeom>
-          <a:solidFill>
-            <a:srgbClr val="FFFFFF">
-              <a:alpha val="0"/>
-            </a:srgbClr>
-          </a:solidFill>
-          <a:ln/>
-        </p:spPr>
-        <p:txBody>
-          <a:bodyPr wrap="square" rtlCol="0" anchor="ctr"/>
-          <a:lstStyle/>
-          <a:p>
-            <a:pPr indent="0" marL="0">
-              <a:buNone/>
-            </a:pPr>
-            <a:r>
-              <a:rPr lang="en-US" dirty="0">
-                <a:solidFill>
-                  <a:srgbClr val="000000"/>
-                </a:solidFill>
-              </a:rPr>
-              <a:t> </a:t>
-            </a:r>
-            <a:endParaRPr lang="en-US" dirty="0"/>
-          </a:p>
-        </p:txBody>
-      </p:sp>
-      <p:sp>
-        <p:nvSpPr>
-          <p:cNvPr id="5" name="Text 2"/>
-          <p:cNvSpPr/>
-          <p:nvPr/>
-        </p:nvSpPr>
-        <p:spPr>
-          <a:xfrm>
-            <a:off x="1208182" y="-26825575"/>
-            <a:ext cx="616590" cy="127000"/>
-          </a:xfrm>
-          <a:prstGeom prst="rect">
-            <a:avLst/>
-          </a:prstGeom>
-          <a:solidFill>
-            <a:srgbClr val="FFFFFF">
-              <a:alpha val="0"/>
-            </a:srgbClr>
-          </a:solidFill>
-          <a:ln/>
-        </p:spPr>
-        <p:txBody>
-          <a:bodyPr wrap="square" rtlCol="0" anchor="ctr"/>
-          <a:lstStyle/>
-          <a:p>
-            <a:pPr indent="0" marL="0">
-              <a:buNone/>
-            </a:pPr>
-            <a:r>
-              <a:rPr lang="en-US" dirty="0">
-                <a:solidFill>
-                  <a:srgbClr val="000000"/>
-                </a:solidFill>
-              </a:rPr>
-              <a:t> </a:t>
-            </a:r>
-            <a:endParaRPr lang="en-US" dirty="0"/>
-          </a:p>
-        </p:txBody>
-      </p:sp>
-      <p:sp>
-        <p:nvSpPr>
-          <p:cNvPr id="6" name="Text 3"/>
-          <p:cNvSpPr/>
-          <p:nvPr/>
-        </p:nvSpPr>
-        <p:spPr>
-          <a:xfrm>
-            <a:off x="1926346" y="-26825575"/>
-            <a:ext cx="656565" cy="127000"/>
-          </a:xfrm>
-          <a:prstGeom prst="rect">
-            <a:avLst/>
-          </a:prstGeom>
-          <a:solidFill>
-            <a:srgbClr val="FFFFFF">
-              <a:alpha val="0"/>
-            </a:srgbClr>
-          </a:solidFill>
-          <a:ln/>
-        </p:spPr>
-        <p:txBody>
-          <a:bodyPr wrap="square" rtlCol="0" anchor="ctr"/>
-          <a:lstStyle/>
-          <a:p>
-            <a:pPr indent="0" marL="0">
-              <a:buNone/>
-            </a:pPr>
-            <a:r>
-              <a:rPr lang="en-US" dirty="0">
-                <a:solidFill>
-                  <a:srgbClr val="000000"/>
-                </a:solidFill>
-              </a:rPr>
-              <a:t> </a:t>
-            </a:r>
-            <a:endParaRPr lang="en-US" dirty="0"/>
-          </a:p>
-        </p:txBody>
-      </p:sp>
-      <p:sp>
-        <p:nvSpPr>
-          <p:cNvPr id="7" name="Text 4"/>
-          <p:cNvSpPr/>
-          <p:nvPr/>
-        </p:nvSpPr>
-        <p:spPr>
-          <a:xfrm>
-            <a:off x="2684486" y="-26825575"/>
-            <a:ext cx="901772" cy="127000"/>
-          </a:xfrm>
-          <a:prstGeom prst="rect">
-            <a:avLst/>
-          </a:prstGeom>
-          <a:solidFill>
-            <a:srgbClr val="FFFFFF">
-              <a:alpha val="0"/>
-            </a:srgbClr>
-          </a:solidFill>
-          <a:ln/>
-        </p:spPr>
-        <p:txBody>
-          <a:bodyPr wrap="square" rtlCol="0" anchor="ctr"/>
-          <a:lstStyle/>
-          <a:p>
-            <a:pPr indent="0" marL="0">
-              <a:buNone/>
-            </a:pPr>
-            <a:r>
-              <a:rPr lang="en-US" dirty="0">
-                <a:solidFill>
-                  <a:srgbClr val="000000"/>
-                </a:solidFill>
-              </a:rPr>
-              <a:t> </a:t>
-            </a:r>
-            <a:endParaRPr lang="en-US" dirty="0"/>
-          </a:p>
-        </p:txBody>
-      </p:sp>
-      <p:sp>
-        <p:nvSpPr>
-          <p:cNvPr id="8" name="Text 5"/>
-          <p:cNvSpPr/>
-          <p:nvPr/>
-        </p:nvSpPr>
-        <p:spPr>
-          <a:xfrm>
-            <a:off x="1208182" y="-19072225"/>
-            <a:ext cx="713204" cy="127000"/>
-          </a:xfrm>
-          <a:prstGeom prst="rect">
-            <a:avLst/>
-          </a:prstGeom>
-          <a:solidFill>
-            <a:srgbClr val="FFFFFF">
-              <a:alpha val="0"/>
-            </a:srgbClr>
-          </a:solidFill>
-          <a:ln/>
-        </p:spPr>
-        <p:txBody>
-          <a:bodyPr wrap="square" rtlCol="0" anchor="ctr"/>
-          <a:lstStyle/>
-          <a:p>
-            <a:pPr indent="0" marL="0">
-              <a:buNone/>
-            </a:pPr>
-            <a:r>
-              <a:rPr lang="en-US" dirty="0">
-                <a:solidFill>
-                  <a:srgbClr val="000000"/>
-                </a:solidFill>
-              </a:rPr>
-              <a:t> </a:t>
-            </a:r>
-            <a:endParaRPr lang="en-US" dirty="0"/>
-          </a:p>
-        </p:txBody>
-      </p:sp>
-      <p:sp>
-        <p:nvSpPr>
-          <p:cNvPr id="9" name="Text 6"/>
-          <p:cNvSpPr/>
-          <p:nvPr/>
-        </p:nvSpPr>
-        <p:spPr>
-          <a:xfrm>
-            <a:off x="2022961" y="-19072225"/>
-            <a:ext cx="710030" cy="127000"/>
-          </a:xfrm>
-          <a:prstGeom prst="rect">
-            <a:avLst/>
-          </a:prstGeom>
-          <a:solidFill>
-            <a:srgbClr val="FFFFFF">
-              <a:alpha val="0"/>
-            </a:srgbClr>
-          </a:solidFill>
-          <a:ln/>
-        </p:spPr>
-        <p:txBody>
-          <a:bodyPr wrap="square" rtlCol="0" anchor="ctr"/>
-          <a:lstStyle/>
-          <a:p>
-            <a:pPr indent="0" marL="0">
-              <a:buNone/>
-            </a:pPr>
-            <a:r>
-              <a:rPr lang="en-US" dirty="0">
-                <a:solidFill>
-                  <a:srgbClr val="000000"/>
-                </a:solidFill>
-              </a:rPr>
-              <a:t> </a:t>
-            </a:r>
-            <a:endParaRPr lang="en-US" dirty="0"/>
-          </a:p>
-        </p:txBody>
-      </p:sp>
-      <p:sp>
-        <p:nvSpPr>
-          <p:cNvPr id="10" name="Text 7"/>
-          <p:cNvSpPr/>
-          <p:nvPr/>
-        </p:nvSpPr>
-        <p:spPr>
-          <a:xfrm>
-            <a:off x="609448" y="3644900"/>
-            <a:ext cx="10970057" cy="304800"/>
+            <a:off x="2930884" y="-18957925"/>
+            <a:ext cx="611332" cy="101600"/>
           </a:xfrm>
           <a:prstGeom prst="rect">
             <a:avLst/>

--- a/ProjectsOverview/SOC_PhD_Proposal_Clickable.pptx
+++ b/ProjectsOverview/SOC_PhD_Proposal_Clickable.pptx
@@ -4,18 +4,26 @@
   <p:sldMasterIdLst>
     <p:sldMasterId id="2147483648" r:id="rId1"/>
   </p:sldMasterIdLst>
+  <p:notesMasterIdLst>
+    <p:notesMasterId r:id="rId15"/>
+  </p:notesMasterIdLst>
   <p:sldIdLst>
     <p:sldId id="256" r:id="rId2"/>
     <p:sldId id="257" r:id="rId3"/>
     <p:sldId id="258" r:id="rId4"/>
     <p:sldId id="259" r:id="rId5"/>
     <p:sldId id="260" r:id="rId6"/>
+    <p:sldId id="261" r:id="rId7"/>
+    <p:sldId id="262" r:id="rId8"/>
+    <p:sldId id="268" r:id="rId9"/>
+    <p:sldId id="263" r:id="rId10"/>
+    <p:sldId id="264" r:id="rId11"/>
+    <p:sldId id="265" r:id="rId12"/>
+    <p:sldId id="266" r:id="rId13"/>
+    <p:sldId id="267" r:id="rId14"/>
   </p:sldIdLst>
-  <p:notesMasterIdLst>
-    <p:notesMasterId r:id="rId7"/>
-  </p:notesMasterIdLst>
-  <p:sldSz cx="12188952" cy="6858000"/>
-  <p:notesSz cx="6858000" cy="12188952"/>
+  <p:sldSz cx="12188825" cy="6858000"/>
+  <p:notesSz cx="6858000" cy="12188825"/>
   <p:defaultTextStyle>
     <a:lvl1pPr marL="0" algn="l" defTabSz="914400" rtl="0" eaLnBrk="1" latinLnBrk="0" hangingPunct="1">
       <a:defRPr sz="1800" kern="1200">
@@ -108,6 +116,11 @@
       </a:defRPr>
     </a:lvl9pPr>
   </p:defaultTextStyle>
+  <p:extLst>
+    <p:ext uri="{EFAFB233-063F-42B5-8137-9DF3F51BA10A}">
+      <p15:sldGuideLst xmlns:p15="http://schemas.microsoft.com/office/powerpoint/2012/main"/>
+    </p:ext>
+  </p:extLst>
 </p:presentation>
 </file>
 
@@ -133,234 +146,10 @@
           <a:chExt cx="0" cy="0"/>
         </a:xfrm>
       </p:grpSpPr>
-      <p:sp>
-        <p:nvSpPr>
-          <p:cNvPr id="2" name="Header Placeholder 1"/>
-          <p:cNvSpPr>
-            <a:spLocks noGrp="1"/>
-          </p:cNvSpPr>
-          <p:nvPr>
-            <p:ph type="hdr" sz="quarter"/>
-          </p:nvPr>
-        </p:nvSpPr>
-        <p:spPr>
-          <a:xfrm>
-            <a:off x="0" y="0"/>
-            <a:ext cx="2971800" cy="458788"/>
-          </a:xfrm>
-          <a:prstGeom prst="rect">
-            <a:avLst/>
-          </a:prstGeom>
-        </p:spPr>
-        <p:txBody>
-          <a:bodyPr vert="horz" lIns="91440" tIns="45720" rIns="91440" bIns="45720" rtlCol="0"/>
-          <a:lstStyle>
-            <a:lvl1pPr algn="l">
-              <a:defRPr sz="1200"/>
-            </a:lvl1pPr>
-          </a:lstStyle>
-          <a:p>
-            <a:endParaRPr lang="en-US"/>
-          </a:p>
-        </p:txBody>
-      </p:sp>
-      <p:sp>
-        <p:nvSpPr>
-          <p:cNvPr id="3" name="Date Placeholder 2"/>
-          <p:cNvSpPr>
-            <a:spLocks noGrp="1"/>
-          </p:cNvSpPr>
-          <p:nvPr>
-            <p:ph type="dt" idx="1"/>
-          </p:nvPr>
-        </p:nvSpPr>
-        <p:spPr>
-          <a:xfrm>
-            <a:off x="3884613" y="0"/>
-            <a:ext cx="2971800" cy="458788"/>
-          </a:xfrm>
-          <a:prstGeom prst="rect">
-            <a:avLst/>
-          </a:prstGeom>
-        </p:spPr>
-        <p:txBody>
-          <a:bodyPr vert="horz" lIns="91440" tIns="45720" rIns="91440" bIns="45720" rtlCol="0"/>
-          <a:lstStyle>
-            <a:lvl1pPr algn="r">
-              <a:defRPr sz="1200"/>
-            </a:lvl1pPr>
-          </a:lstStyle>
-          <a:p>
-            <a:fld id="{5282F153-3F37-0F45-9E97-73ACFA13230C}" type="datetimeFigureOut">
-              <a:rPr lang="en-US"/>
-              <a:t>7/23/19</a:t>
-            </a:fld>
-            <a:endParaRPr lang="en-US"/>
-          </a:p>
-        </p:txBody>
-      </p:sp>
-      <p:sp>
-        <p:nvSpPr>
-          <p:cNvPr id="4" name="Slide Image Placeholder 3"/>
-          <p:cNvSpPr>
-            <a:spLocks noGrp="1" noRot="1" noChangeAspect="1"/>
-          </p:cNvSpPr>
-          <p:nvPr>
-            <p:ph type="sldImg" idx="2"/>
-          </p:nvPr>
-        </p:nvSpPr>
-        <p:spPr>
-          <a:xfrm>
-            <a:off x="685800" y="1143000"/>
-            <a:ext cx="5486400" cy="3086100"/>
-          </a:xfrm>
-          <a:prstGeom prst="rect">
-            <a:avLst/>
-          </a:prstGeom>
-          <a:noFill/>
-          <a:ln w="12700">
-            <a:solidFill>
-              <a:prstClr val="black"/>
-            </a:solidFill>
-          </a:ln>
-        </p:spPr>
-        <p:txBody>
-          <a:bodyPr vert="horz" lIns="91440" tIns="45720" rIns="91440" bIns="45720" rtlCol="0" anchor="ctr"/>
-          <a:lstStyle/>
-          <a:p>
-            <a:endParaRPr lang="en-US"/>
-          </a:p>
-        </p:txBody>
-      </p:sp>
-      <p:sp>
-        <p:nvSpPr>
-          <p:cNvPr id="5" name="Notes Placeholder 4"/>
-          <p:cNvSpPr>
-            <a:spLocks noGrp="1"/>
-          </p:cNvSpPr>
-          <p:nvPr>
-            <p:ph type="body" sz="quarter" idx="3"/>
-          </p:nvPr>
-        </p:nvSpPr>
-        <p:spPr>
-          <a:xfrm>
-            <a:off x="685800" y="4400550"/>
-            <a:ext cx="5486400" cy="3600450"/>
-          </a:xfrm>
-          <a:prstGeom prst="rect">
-            <a:avLst/>
-          </a:prstGeom>
-        </p:spPr>
-        <p:txBody>
-          <a:bodyPr vert="horz" lIns="91440" tIns="45720" rIns="91440" bIns="45720" rtlCol="0"/>
-          <a:lstStyle/>
-          <a:p>
-            <a:pPr lvl="0"/>
-            <a:r>
-              <a:rPr lang="en-US"/>
-              <a:t>Click to edit Master text styles</a:t>
-            </a:r>
-          </a:p>
-          <a:p>
-            <a:pPr lvl="1"/>
-            <a:r>
-              <a:rPr lang="en-US"/>
-              <a:t>Second level</a:t>
-            </a:r>
-          </a:p>
-          <a:p>
-            <a:pPr lvl="2"/>
-            <a:r>
-              <a:rPr lang="en-US"/>
-              <a:t>Third level</a:t>
-            </a:r>
-          </a:p>
-          <a:p>
-            <a:pPr lvl="3"/>
-            <a:r>
-              <a:rPr lang="en-US"/>
-              <a:t>Fourth level</a:t>
-            </a:r>
-          </a:p>
-          <a:p>
-            <a:pPr lvl="4"/>
-            <a:r>
-              <a:rPr lang="en-US"/>
-              <a:t>Fifth level</a:t>
-            </a:r>
-          </a:p>
-        </p:txBody>
-      </p:sp>
-      <p:sp>
-        <p:nvSpPr>
-          <p:cNvPr id="6" name="Footer Placeholder 5"/>
-          <p:cNvSpPr>
-            <a:spLocks noGrp="1"/>
-          </p:cNvSpPr>
-          <p:nvPr>
-            <p:ph type="ftr" sz="quarter" idx="4"/>
-          </p:nvPr>
-        </p:nvSpPr>
-        <p:spPr>
-          <a:xfrm>
-            <a:off x="0" y="8685213"/>
-            <a:ext cx="2971800" cy="458787"/>
-          </a:xfrm>
-          <a:prstGeom prst="rect">
-            <a:avLst/>
-          </a:prstGeom>
-        </p:spPr>
-        <p:txBody>
-          <a:bodyPr vert="horz" lIns="91440" tIns="45720" rIns="91440" bIns="45720" rtlCol="0" anchor="b"/>
-          <a:lstStyle>
-            <a:lvl1pPr algn="l">
-              <a:defRPr sz="1200"/>
-            </a:lvl1pPr>
-          </a:lstStyle>
-          <a:p>
-            <a:endParaRPr lang="en-US"/>
-          </a:p>
-        </p:txBody>
-      </p:sp>
-      <p:sp>
-        <p:nvSpPr>
-          <p:cNvPr id="7" name="Slide Number Placeholder 6"/>
-          <p:cNvSpPr>
-            <a:spLocks noGrp="1"/>
-          </p:cNvSpPr>
-          <p:nvPr>
-            <p:ph type="sldNum" sz="quarter" idx="5"/>
-          </p:nvPr>
-        </p:nvSpPr>
-        <p:spPr>
-          <a:xfrm>
-            <a:off x="3884613" y="8685213"/>
-            <a:ext cx="2971800" cy="458787"/>
-          </a:xfrm>
-          <a:prstGeom prst="rect">
-            <a:avLst/>
-          </a:prstGeom>
-        </p:spPr>
-        <p:txBody>
-          <a:bodyPr vert="horz" lIns="91440" tIns="45720" rIns="91440" bIns="45720" rtlCol="0" anchor="b"/>
-          <a:lstStyle>
-            <a:lvl1pPr algn="r">
-              <a:defRPr sz="1200"/>
-            </a:lvl1pPr>
-          </a:lstStyle>
-          <a:p>
-            <a:fld id="{CE5E9CC1-C706-0F49-92D6-E571CC5EEA8F}" type="slidenum">
-              <a:rPr lang="en-US"/>
-              <a:t>‹#›</a:t>
-            </a:fld>
-            <a:endParaRPr lang="en-US"/>
-          </a:p>
-        </p:txBody>
-      </p:sp>
     </p:spTree>
     <p:extLst>
       <p:ext uri="{BB962C8B-B14F-4D97-AF65-F5344CB8AC3E}">
-        <p14:creationId xmlns:p14="http://schemas.microsoft.com/office/powerpoint/2010/main" val="1024086991"/>
+        <p14:creationId xmlns:p14="http://schemas.microsoft.com/office/powerpoint/2010/main" val="594622386"/>
       </p:ext>
     </p:extLst>
   </p:cSld>
@@ -505,12 +294,23 @@
           <a:lstStyle/>
           <a:p>
             <a:r>
-              <a:rPr lang="en-US" dirty="0"/>
-              <a:t>SOC PhD Proposal – Slide 1
-Explain this section as shown.
-Links are clickable in presentation mode.</a:t>
-            </a:r>
-            <a:endParaRPr lang="en-US" dirty="0"/>
+              <a:rPr lang="en-GB" dirty="0"/>
+              <a:t>“My work focuses on human-</a:t>
+            </a:r>
+            <a:r>
+              <a:rPr lang="en-GB" dirty="0" err="1"/>
+              <a:t>centered</a:t>
+            </a:r>
+            <a:r>
+              <a:rPr lang="en-GB" dirty="0"/>
+              <a:t> interface design for safety-critical systems, particularly where humans interact with intelligent systems under time pressure.”</a:t>
+            </a:r>
+          </a:p>
+          <a:p>
+            <a:r>
+              <a:rPr lang="en-GB" dirty="0"/>
+              <a:t>“I’m interested in how interaction design shapes human decision making when errors have serious consequences.”</a:t>
+            </a:r>
           </a:p>
         </p:txBody>
       </p:sp>
@@ -532,6 +332,537 @@
             <a:fld id="{F7021451-1387-4CA6-816F-3879F97B5CBC}" type="slidenum">
               <a:rPr lang="en-US"/>
               <a:t>1</a:t>
+            </a:fld>
+            <a:endParaRPr lang="en-US"/>
+          </a:p>
+        </p:txBody>
+      </p:sp>
+    </p:spTree>
+    <p:extLst>
+      <p:ext uri="{BB962C8B-B14F-4D97-AF65-F5344CB8AC3E}">
+        <p14:creationId xmlns:p14="http://schemas.microsoft.com/office/powerpoint/2010/main" val="1024086991"/>
+      </p:ext>
+    </p:extLst>
+  </p:cSld>
+  <p:clrMapOvr>
+    <a:masterClrMapping/>
+  </p:clrMapOvr>
+</p:notes>
+</file>
+
+<file path=ppt/notesSlides/notesSlide10.xml><?xml version="1.0" encoding="utf-8"?>
+<p:notes xmlns:a="http://schemas.openxmlformats.org/drawingml/2006/main" xmlns:r="http://schemas.openxmlformats.org/officeDocument/2006/relationships" xmlns:p="http://schemas.openxmlformats.org/presentationml/2006/main">
+  <p:cSld>
+    <p:spTree>
+      <p:nvGrpSpPr>
+        <p:cNvPr id="1" name=""/>
+        <p:cNvGrpSpPr/>
+        <p:nvPr/>
+      </p:nvGrpSpPr>
+      <p:grpSpPr>
+        <a:xfrm>
+          <a:off x="0" y="0"/>
+          <a:ext cx="0" cy="0"/>
+          <a:chOff x="0" y="0"/>
+          <a:chExt cx="0" cy="0"/>
+        </a:xfrm>
+      </p:grpSpPr>
+      <p:sp>
+        <p:nvSpPr>
+          <p:cNvPr id="2" name="Slide Image Placeholder 1"/>
+          <p:cNvSpPr>
+            <a:spLocks noGrp="1" noRot="1" noChangeAspect="1"/>
+          </p:cNvSpPr>
+          <p:nvPr>
+            <p:ph type="sldImg"/>
+          </p:nvPr>
+        </p:nvSpPr>
+        <p:spPr/>
+      </p:sp>
+      <p:sp>
+        <p:nvSpPr>
+          <p:cNvPr id="3" name="Notes Placeholder 2"/>
+          <p:cNvSpPr>
+            <a:spLocks noGrp="1"/>
+          </p:cNvSpPr>
+          <p:nvPr>
+            <p:ph type="body" idx="1"/>
+          </p:nvPr>
+        </p:nvSpPr>
+        <p:spPr/>
+        <p:txBody>
+          <a:bodyPr/>
+          <a:lstStyle/>
+          <a:p>
+            <a:r>
+              <a:rPr lang="en-GB" dirty="0"/>
+              <a:t>“The research questions follow directly from this gap.”</a:t>
+            </a:r>
+          </a:p>
+          <a:p>
+            <a:r>
+              <a:rPr lang="en-GB" b="1" dirty="0"/>
+              <a:t>RQ1</a:t>
+            </a:r>
+            <a:endParaRPr lang="en-GB" dirty="0"/>
+          </a:p>
+          <a:p>
+            <a:r>
+              <a:rPr lang="en-GB" dirty="0"/>
+              <a:t>“First, I ask where cognitive bottlenecks, decision boundaries, and responsibility shifts occur when analysts use AI during triage.”</a:t>
+            </a:r>
+          </a:p>
+          <a:p>
+            <a:r>
+              <a:rPr lang="en-GB" b="1" dirty="0"/>
+              <a:t>RQ2</a:t>
+            </a:r>
+            <a:endParaRPr lang="en-GB" dirty="0"/>
+          </a:p>
+          <a:p>
+            <a:r>
+              <a:rPr lang="en-GB" dirty="0"/>
+              <a:t>“Second, I investigate what interaction mechanisms allow analysts to co-construct incident interpretations with AI while retaining control.”</a:t>
+            </a:r>
+          </a:p>
+          <a:p>
+            <a:r>
+              <a:rPr lang="en-GB" b="1" dirty="0"/>
+              <a:t>RQ3</a:t>
+            </a:r>
+            <a:endParaRPr lang="en-GB" dirty="0"/>
+          </a:p>
+          <a:p>
+            <a:r>
+              <a:rPr lang="en-GB" dirty="0"/>
+              <a:t>“Third, I evaluate whether such co-constructive interfaces actually change decision quality, situational awareness, and justification.”</a:t>
+            </a:r>
+          </a:p>
+          <a:p>
+            <a:r>
+              <a:rPr lang="en-GB" b="1" dirty="0"/>
+              <a:t>Meta framing (important):</a:t>
+            </a:r>
+            <a:endParaRPr lang="en-GB" dirty="0"/>
+          </a:p>
+          <a:p>
+            <a:r>
+              <a:rPr lang="en-GB" dirty="0"/>
+              <a:t>“RQ1 is descriptive, RQ2 is constructive, and RQ3 is evaluative.”</a:t>
+            </a:r>
+          </a:p>
+        </p:txBody>
+      </p:sp>
+      <p:sp>
+        <p:nvSpPr>
+          <p:cNvPr id="4" name="Slide Number Placeholder 3"/>
+          <p:cNvSpPr>
+            <a:spLocks noGrp="1"/>
+          </p:cNvSpPr>
+          <p:nvPr>
+            <p:ph type="sldNum" sz="quarter" idx="10"/>
+          </p:nvPr>
+        </p:nvSpPr>
+        <p:spPr/>
+        <p:txBody>
+          <a:bodyPr/>
+          <a:lstStyle/>
+          <a:p>
+            <a:fld id="{F7021451-1387-4CA6-816F-3879F97B5CBC}" type="slidenum">
+              <a:rPr lang="en-US"/>
+              <a:t>10</a:t>
+            </a:fld>
+            <a:endParaRPr lang="en-US"/>
+          </a:p>
+        </p:txBody>
+      </p:sp>
+    </p:spTree>
+    <p:extLst>
+      <p:ext uri="{BB962C8B-B14F-4D97-AF65-F5344CB8AC3E}">
+        <p14:creationId xmlns:p14="http://schemas.microsoft.com/office/powerpoint/2010/main" val="1024086991"/>
+      </p:ext>
+    </p:extLst>
+  </p:cSld>
+  <p:clrMapOvr>
+    <a:masterClrMapping/>
+  </p:clrMapOvr>
+</p:notes>
+</file>
+
+<file path=ppt/notesSlides/notesSlide11.xml><?xml version="1.0" encoding="utf-8"?>
+<p:notes xmlns:a="http://schemas.openxmlformats.org/drawingml/2006/main" xmlns:r="http://schemas.openxmlformats.org/officeDocument/2006/relationships" xmlns:p="http://schemas.openxmlformats.org/presentationml/2006/main">
+  <p:cSld>
+    <p:spTree>
+      <p:nvGrpSpPr>
+        <p:cNvPr id="1" name=""/>
+        <p:cNvGrpSpPr/>
+        <p:nvPr/>
+      </p:nvGrpSpPr>
+      <p:grpSpPr>
+        <a:xfrm>
+          <a:off x="0" y="0"/>
+          <a:ext cx="0" cy="0"/>
+          <a:chOff x="0" y="0"/>
+          <a:chExt cx="0" cy="0"/>
+        </a:xfrm>
+      </p:grpSpPr>
+      <p:sp>
+        <p:nvSpPr>
+          <p:cNvPr id="2" name="Slide Image Placeholder 1"/>
+          <p:cNvSpPr>
+            <a:spLocks noGrp="1" noRot="1" noChangeAspect="1"/>
+          </p:cNvSpPr>
+          <p:nvPr>
+            <p:ph type="sldImg"/>
+          </p:nvPr>
+        </p:nvSpPr>
+        <p:spPr/>
+      </p:sp>
+      <p:sp>
+        <p:nvSpPr>
+          <p:cNvPr id="3" name="Notes Placeholder 2"/>
+          <p:cNvSpPr>
+            <a:spLocks noGrp="1"/>
+          </p:cNvSpPr>
+          <p:nvPr>
+            <p:ph type="body" idx="1"/>
+          </p:nvPr>
+        </p:nvSpPr>
+        <p:spPr/>
+        <p:txBody>
+          <a:bodyPr/>
+          <a:lstStyle/>
+          <a:p>
+            <a:r>
+              <a:rPr lang="en-GB" dirty="0"/>
+              <a:t>“The methodology follows a structured HCI pipeline with three phases.”</a:t>
+            </a:r>
+          </a:p>
+          <a:p>
+            <a:r>
+              <a:rPr lang="en-GB" b="1" dirty="0"/>
+              <a:t>Phase 1 — Analysis</a:t>
+            </a:r>
+            <a:endParaRPr lang="en-GB" dirty="0"/>
+          </a:p>
+          <a:p>
+            <a:r>
+              <a:rPr lang="en-GB" dirty="0"/>
+              <a:t>“I empirically study how analysts interact with AI-supported triage tools using observation, task analysis, and interviews.”</a:t>
+            </a:r>
+          </a:p>
+          <a:p>
+            <a:r>
+              <a:rPr lang="en-GB" dirty="0"/>
+              <a:t>“The output is a workflow and decision-boundary model that captures breakdowns and responsibility shifts.”</a:t>
+            </a:r>
+          </a:p>
+          <a:p>
+            <a:r>
+              <a:rPr lang="en-GB" b="1" dirty="0"/>
+              <a:t>Phase 2 — Design</a:t>
+            </a:r>
+            <a:endParaRPr lang="en-GB" dirty="0"/>
+          </a:p>
+          <a:p>
+            <a:r>
+              <a:rPr lang="en-GB" dirty="0"/>
+              <a:t>“These findings directly inform the design of co-constructive interaction mechanisms.”</a:t>
+            </a:r>
+          </a:p>
+          <a:p>
+            <a:r>
+              <a:rPr lang="en-GB" dirty="0"/>
+              <a:t>“The result is an interactive triage interface that allows analyst feedback and influence.”</a:t>
+            </a:r>
+          </a:p>
+          <a:p>
+            <a:endParaRPr lang="en-GB" dirty="0"/>
+          </a:p>
+          <a:p>
+            <a:r>
+              <a:rPr lang="en-GB" b="1" dirty="0"/>
+              <a:t>Phase 3 — Evaluation</a:t>
+            </a:r>
+            <a:endParaRPr lang="en-GB" dirty="0"/>
+          </a:p>
+          <a:p>
+            <a:r>
+              <a:rPr lang="en-GB" dirty="0"/>
+              <a:t>“Finally, I evaluate this interface in controlled studies against baseline AI support.”</a:t>
+            </a:r>
+          </a:p>
+          <a:p>
+            <a:r>
+              <a:rPr lang="en-GB" b="1" dirty="0"/>
+              <a:t>Key sentence (very important):</a:t>
+            </a:r>
+            <a:endParaRPr lang="en-GB" dirty="0"/>
+          </a:p>
+          <a:p>
+            <a:r>
+              <a:rPr lang="en-GB" dirty="0"/>
+              <a:t>“Each phase produces artifacts that directly constrain the next phase.”</a:t>
+            </a:r>
+          </a:p>
+          <a:p>
+            <a:endParaRPr lang="en-GB" dirty="0"/>
+          </a:p>
+        </p:txBody>
+      </p:sp>
+      <p:sp>
+        <p:nvSpPr>
+          <p:cNvPr id="4" name="Slide Number Placeholder 3"/>
+          <p:cNvSpPr>
+            <a:spLocks noGrp="1"/>
+          </p:cNvSpPr>
+          <p:nvPr>
+            <p:ph type="sldNum" sz="quarter" idx="10"/>
+          </p:nvPr>
+        </p:nvSpPr>
+        <p:spPr/>
+        <p:txBody>
+          <a:bodyPr/>
+          <a:lstStyle/>
+          <a:p>
+            <a:fld id="{F7021451-1387-4CA6-816F-3879F97B5CBC}" type="slidenum">
+              <a:rPr lang="en-US"/>
+              <a:t>11</a:t>
+            </a:fld>
+            <a:endParaRPr lang="en-US"/>
+          </a:p>
+        </p:txBody>
+      </p:sp>
+    </p:spTree>
+    <p:extLst>
+      <p:ext uri="{BB962C8B-B14F-4D97-AF65-F5344CB8AC3E}">
+        <p14:creationId xmlns:p14="http://schemas.microsoft.com/office/powerpoint/2010/main" val="1024086991"/>
+      </p:ext>
+    </p:extLst>
+  </p:cSld>
+  <p:clrMapOvr>
+    <a:masterClrMapping/>
+  </p:clrMapOvr>
+</p:notes>
+</file>
+
+<file path=ppt/notesSlides/notesSlide12.xml><?xml version="1.0" encoding="utf-8"?>
+<p:notes xmlns:a="http://schemas.openxmlformats.org/drawingml/2006/main" xmlns:r="http://schemas.openxmlformats.org/officeDocument/2006/relationships" xmlns:p="http://schemas.openxmlformats.org/presentationml/2006/main">
+  <p:cSld>
+    <p:spTree>
+      <p:nvGrpSpPr>
+        <p:cNvPr id="1" name=""/>
+        <p:cNvGrpSpPr/>
+        <p:nvPr/>
+      </p:nvGrpSpPr>
+      <p:grpSpPr>
+        <a:xfrm>
+          <a:off x="0" y="0"/>
+          <a:ext cx="0" cy="0"/>
+          <a:chOff x="0" y="0"/>
+          <a:chExt cx="0" cy="0"/>
+        </a:xfrm>
+      </p:grpSpPr>
+      <p:sp>
+        <p:nvSpPr>
+          <p:cNvPr id="2" name="Slide Image Placeholder 1"/>
+          <p:cNvSpPr>
+            <a:spLocks noGrp="1" noRot="1" noChangeAspect="1"/>
+          </p:cNvSpPr>
+          <p:nvPr>
+            <p:ph type="sldImg"/>
+          </p:nvPr>
+        </p:nvSpPr>
+        <p:spPr/>
+      </p:sp>
+      <p:sp>
+        <p:nvSpPr>
+          <p:cNvPr id="3" name="Notes Placeholder 2"/>
+          <p:cNvSpPr>
+            <a:spLocks noGrp="1"/>
+          </p:cNvSpPr>
+          <p:nvPr>
+            <p:ph type="body" idx="1"/>
+          </p:nvPr>
+        </p:nvSpPr>
+        <p:spPr/>
+        <p:txBody>
+          <a:bodyPr/>
+          <a:lstStyle/>
+          <a:p>
+            <a:r>
+              <a:rPr lang="en-GB" dirty="0"/>
+              <a:t>“Evaluation focuses on both task outcomes and human factors.”</a:t>
+            </a:r>
+          </a:p>
+          <a:p>
+            <a:r>
+              <a:rPr lang="en-GB" dirty="0"/>
+              <a:t>“I examine decision accuracy, situational awareness during triage, the ability to justify decisions, and changes in system </a:t>
+            </a:r>
+            <a:r>
+              <a:rPr lang="en-GB" dirty="0" err="1"/>
+              <a:t>behavior</a:t>
+            </a:r>
+            <a:r>
+              <a:rPr lang="en-GB" dirty="0"/>
+              <a:t> over time.”</a:t>
+            </a:r>
+          </a:p>
+          <a:p>
+            <a:endParaRPr lang="en-GB" dirty="0"/>
+          </a:p>
+          <a:p>
+            <a:endParaRPr lang="en-GB" dirty="0"/>
+          </a:p>
+          <a:p>
+            <a:r>
+              <a:rPr lang="en-GB" dirty="0"/>
+              <a:t>“The scientific contributions are threefold.”</a:t>
+            </a:r>
+          </a:p>
+          <a:p>
+            <a:r>
+              <a:rPr lang="en-GB" dirty="0"/>
+              <a:t>“First, an empirical model of analyst–AI interaction during SOC triage.”</a:t>
+            </a:r>
+          </a:p>
+          <a:p>
+            <a:r>
+              <a:rPr lang="en-GB" dirty="0"/>
+              <a:t>“Second, interaction design principles for co-construction in high-stakes cybersecurity contexts.”</a:t>
+            </a:r>
+          </a:p>
+          <a:p>
+            <a:r>
+              <a:rPr lang="en-GB" dirty="0"/>
+              <a:t>“Third, empirical evidence for AI support that preserves accountability rather than obscuring it.”</a:t>
+            </a:r>
+          </a:p>
+          <a:p>
+            <a:endParaRPr lang="en-GB" dirty="0"/>
+          </a:p>
+          <a:p>
+            <a:endParaRPr lang="en-GB" dirty="0"/>
+          </a:p>
+          <a:p>
+            <a:endParaRPr lang="en-GB" dirty="0"/>
+          </a:p>
+          <a:p>
+            <a:r>
+              <a:rPr lang="en-GB" dirty="0"/>
+              <a:t>“The contribution is not a better model, but a better interaction between humans and AI in high-stakes decisions.”</a:t>
+            </a:r>
+          </a:p>
+        </p:txBody>
+      </p:sp>
+      <p:sp>
+        <p:nvSpPr>
+          <p:cNvPr id="4" name="Slide Number Placeholder 3"/>
+          <p:cNvSpPr>
+            <a:spLocks noGrp="1"/>
+          </p:cNvSpPr>
+          <p:nvPr>
+            <p:ph type="sldNum" sz="quarter" idx="10"/>
+          </p:nvPr>
+        </p:nvSpPr>
+        <p:spPr/>
+        <p:txBody>
+          <a:bodyPr/>
+          <a:lstStyle/>
+          <a:p>
+            <a:fld id="{F7021451-1387-4CA6-816F-3879F97B5CBC}" type="slidenum">
+              <a:rPr lang="en-US"/>
+              <a:t>12</a:t>
+            </a:fld>
+            <a:endParaRPr lang="en-US"/>
+          </a:p>
+        </p:txBody>
+      </p:sp>
+    </p:spTree>
+    <p:extLst>
+      <p:ext uri="{BB962C8B-B14F-4D97-AF65-F5344CB8AC3E}">
+        <p14:creationId xmlns:p14="http://schemas.microsoft.com/office/powerpoint/2010/main" val="1024086991"/>
+      </p:ext>
+    </p:extLst>
+  </p:cSld>
+  <p:clrMapOvr>
+    <a:masterClrMapping/>
+  </p:clrMapOvr>
+</p:notes>
+</file>
+
+<file path=ppt/notesSlides/notesSlide13.xml><?xml version="1.0" encoding="utf-8"?>
+<p:notes xmlns:a="http://schemas.openxmlformats.org/drawingml/2006/main" xmlns:r="http://schemas.openxmlformats.org/officeDocument/2006/relationships" xmlns:p="http://schemas.openxmlformats.org/presentationml/2006/main">
+  <p:cSld>
+    <p:spTree>
+      <p:nvGrpSpPr>
+        <p:cNvPr id="1" name=""/>
+        <p:cNvGrpSpPr/>
+        <p:nvPr/>
+      </p:nvGrpSpPr>
+      <p:grpSpPr>
+        <a:xfrm>
+          <a:off x="0" y="0"/>
+          <a:ext cx="0" cy="0"/>
+          <a:chOff x="0" y="0"/>
+          <a:chExt cx="0" cy="0"/>
+        </a:xfrm>
+      </p:grpSpPr>
+      <p:sp>
+        <p:nvSpPr>
+          <p:cNvPr id="2" name="Slide Image Placeholder 1"/>
+          <p:cNvSpPr>
+            <a:spLocks noGrp="1" noRot="1" noChangeAspect="1"/>
+          </p:cNvSpPr>
+          <p:nvPr>
+            <p:ph type="sldImg"/>
+          </p:nvPr>
+        </p:nvSpPr>
+        <p:spPr/>
+      </p:sp>
+      <p:sp>
+        <p:nvSpPr>
+          <p:cNvPr id="3" name="Notes Placeholder 2"/>
+          <p:cNvSpPr>
+            <a:spLocks noGrp="1"/>
+          </p:cNvSpPr>
+          <p:nvPr>
+            <p:ph type="body" idx="1"/>
+          </p:nvPr>
+        </p:nvSpPr>
+        <p:spPr/>
+        <p:txBody>
+          <a:bodyPr/>
+          <a:lstStyle/>
+          <a:p>
+            <a:r>
+              <a:rPr lang="en-US" dirty="0"/>
+              <a:t>SOC PhD Proposal – Slide 12
+Clickable reference links preserved.
+</a:t>
+            </a:r>
+          </a:p>
+        </p:txBody>
+      </p:sp>
+      <p:sp>
+        <p:nvSpPr>
+          <p:cNvPr id="4" name="Slide Number Placeholder 3"/>
+          <p:cNvSpPr>
+            <a:spLocks noGrp="1"/>
+          </p:cNvSpPr>
+          <p:nvPr>
+            <p:ph type="sldNum" sz="quarter" idx="10"/>
+          </p:nvPr>
+        </p:nvSpPr>
+        <p:spPr/>
+        <p:txBody>
+          <a:bodyPr/>
+          <a:lstStyle/>
+          <a:p>
+            <a:fld id="{F7021451-1387-4CA6-816F-3879F97B5CBC}" type="slidenum">
+              <a:rPr lang="en-US"/>
+              <a:t>13</a:t>
             </a:fld>
             <a:endParaRPr lang="en-US"/>
           </a:p>
@@ -595,12 +926,27 @@
           <a:lstStyle/>
           <a:p>
             <a:r>
-              <a:rPr lang="en-US" dirty="0"/>
-              <a:t>SOC PhD Proposal – Slide 2
-Explain this section as shown.
-Links are clickable in presentation mode.</a:t>
-            </a:r>
-            <a:endParaRPr lang="en-US" dirty="0"/>
+              <a:rPr lang="en-GB" dirty="0"/>
+              <a:t>“I started my career as a front-end engineer, building complex enterprise user interfaces.”</a:t>
+            </a:r>
+          </a:p>
+          <a:p>
+            <a:r>
+              <a:rPr lang="en-GB" dirty="0"/>
+              <a:t>“Through this work, I became increasingly interested in how interface design affects human decision making in complex systems, not just usability.”</a:t>
+            </a:r>
+          </a:p>
+          <a:p>
+            <a:r>
+              <a:rPr lang="en-GB" dirty="0"/>
+              <a:t>“This motivated my transition into HCI research, where I now combine experimental methods with full-stack prototyping.”</a:t>
+            </a:r>
+          </a:p>
+          <a:p>
+            <a:r>
+              <a:rPr lang="en-GB" dirty="0"/>
+              <a:t>“My Master’s thesis was my first step into systematic, experimental HCI research.”</a:t>
+            </a:r>
           </a:p>
         </p:txBody>
       </p:sp>
@@ -685,12 +1031,21 @@
           <a:lstStyle/>
           <a:p>
             <a:r>
-              <a:rPr lang="en-US" dirty="0"/>
-              <a:t>SOC PhD Proposal – Slide 3
-Explain this section as shown.
-Links are clickable in presentation mode.</a:t>
-            </a:r>
-            <a:endParaRPr lang="en-US" dirty="0"/>
+              <a:rPr lang="en-GB" dirty="0"/>
+              <a:t>“My motivation comes from studying how humans and AI collaborate in high-stakes, time-critical environments.”</a:t>
+            </a:r>
+          </a:p>
+          <a:p>
+            <a:r>
+              <a:rPr lang="en-GB" dirty="0"/>
+              <a:t>“My Master’s work showed that performance improvements come less from automation and more from interaction design that supports sensemaking and responsibility.”</a:t>
+            </a:r>
+          </a:p>
+          <a:p>
+            <a:r>
+              <a:rPr lang="en-GB" dirty="0"/>
+              <a:t>“This research environment is a strong fit because it explicitly studies human-AI collaboration in safety-critical domains.”</a:t>
+            </a:r>
           </a:p>
         </p:txBody>
       </p:sp>
@@ -775,12 +1130,27 @@
           <a:lstStyle/>
           <a:p>
             <a:r>
-              <a:rPr lang="en-US" dirty="0"/>
-              <a:t>SOC PhD Proposal – Slide 4
-Explain this section as shown.
-Links are clickable in presentation mode.</a:t>
-            </a:r>
-            <a:endParaRPr lang="en-US" dirty="0"/>
+              <a:rPr lang="en-GB" dirty="0"/>
+              <a:t>“Emergency dispatchers coordinate incidents under high workload, frequent interruptions, and time pressure.”</a:t>
+            </a:r>
+          </a:p>
+          <a:p>
+            <a:r>
+              <a:rPr lang="en-GB" dirty="0"/>
+              <a:t>“UAVs can provide early aerial information, but most existing UAV interfaces are designed for field responders.”</a:t>
+            </a:r>
+          </a:p>
+          <a:p>
+            <a:r>
+              <a:rPr lang="en-GB" dirty="0"/>
+              <a:t>“Dispatchers, however, must frequently re-engage with incidents after interruptions, which existing interfaces do not support well.”</a:t>
+            </a:r>
+          </a:p>
+          <a:p>
+            <a:r>
+              <a:rPr lang="en-GB" dirty="0"/>
+              <a:t>“This gap motivated my research question.”</a:t>
+            </a:r>
           </a:p>
         </p:txBody>
       </p:sp>
@@ -865,12 +1235,27 @@
           <a:lstStyle/>
           <a:p>
             <a:r>
-              <a:rPr lang="en-US" dirty="0"/>
-              <a:t>SOC PhD Proposal – Slide 5
-Explain this section as shown.
-Links are clickable in presentation mode.</a:t>
-            </a:r>
-            <a:endParaRPr lang="en-US" dirty="0"/>
+              <a:rPr lang="en-GB" dirty="0"/>
+              <a:t>“I conducted a within-subjects experiment with 29 participants.”</a:t>
+            </a:r>
+          </a:p>
+          <a:p>
+            <a:r>
+              <a:rPr lang="en-GB" dirty="0"/>
+              <a:t>“Participants performed a simulated emergency dispatching task with enforced interruptions.”</a:t>
+            </a:r>
+          </a:p>
+          <a:p>
+            <a:r>
+              <a:rPr lang="en-GB" dirty="0"/>
+              <a:t>“The independent variable was the interface condition: with versus without structured UAV information support.”</a:t>
+            </a:r>
+          </a:p>
+          <a:p>
+            <a:r>
+              <a:rPr lang="en-GB" dirty="0"/>
+              <a:t>“This allowed us to isolate the effect of interaction design while controlling for individual differences.”</a:t>
+            </a:r>
           </a:p>
         </p:txBody>
       </p:sp>
@@ -892,6 +1277,485 @@
             <a:fld id="{F7021451-1387-4CA6-816F-3879F97B5CBC}" type="slidenum">
               <a:rPr lang="en-US"/>
               <a:t>5</a:t>
+            </a:fld>
+            <a:endParaRPr lang="en-US"/>
+          </a:p>
+        </p:txBody>
+      </p:sp>
+    </p:spTree>
+    <p:extLst>
+      <p:ext uri="{BB962C8B-B14F-4D97-AF65-F5344CB8AC3E}">
+        <p14:creationId xmlns:p14="http://schemas.microsoft.com/office/powerpoint/2010/main" val="1024086991"/>
+      </p:ext>
+    </p:extLst>
+  </p:cSld>
+  <p:clrMapOvr>
+    <a:masterClrMapping/>
+  </p:clrMapOvr>
+</p:notes>
+</file>
+
+<file path=ppt/notesSlides/notesSlide6.xml><?xml version="1.0" encoding="utf-8"?>
+<p:notes xmlns:a="http://schemas.openxmlformats.org/drawingml/2006/main" xmlns:r="http://schemas.openxmlformats.org/officeDocument/2006/relationships" xmlns:p="http://schemas.openxmlformats.org/presentationml/2006/main">
+  <p:cSld>
+    <p:spTree>
+      <p:nvGrpSpPr>
+        <p:cNvPr id="1" name=""/>
+        <p:cNvGrpSpPr/>
+        <p:nvPr/>
+      </p:nvGrpSpPr>
+      <p:grpSpPr>
+        <a:xfrm>
+          <a:off x="0" y="0"/>
+          <a:ext cx="0" cy="0"/>
+          <a:chOff x="0" y="0"/>
+          <a:chExt cx="0" cy="0"/>
+        </a:xfrm>
+      </p:grpSpPr>
+      <p:sp>
+        <p:nvSpPr>
+          <p:cNvPr id="2" name="Slide Image Placeholder 1"/>
+          <p:cNvSpPr>
+            <a:spLocks noGrp="1" noRot="1" noChangeAspect="1"/>
+          </p:cNvSpPr>
+          <p:nvPr>
+            <p:ph type="sldImg"/>
+          </p:nvPr>
+        </p:nvSpPr>
+        <p:spPr/>
+      </p:sp>
+      <p:sp>
+        <p:nvSpPr>
+          <p:cNvPr id="3" name="Notes Placeholder 2"/>
+          <p:cNvSpPr>
+            <a:spLocks noGrp="1"/>
+          </p:cNvSpPr>
+          <p:nvPr>
+            <p:ph type="body" idx="1"/>
+          </p:nvPr>
+        </p:nvSpPr>
+        <p:spPr/>
+        <p:txBody>
+          <a:bodyPr/>
+          <a:lstStyle/>
+          <a:p>
+            <a:r>
+              <a:rPr lang="en-GB" dirty="0"/>
+              <a:t>“Situational awareness was measured objectively using SPAM probes, focusing on accuracy and response time.”</a:t>
+            </a:r>
+          </a:p>
+          <a:p>
+            <a:r>
+              <a:rPr lang="en-GB" dirty="0"/>
+              <a:t>“Cognitive workload was measured using the Detection Response Task, along with SART and SUS for subjective measures.”</a:t>
+            </a:r>
+          </a:p>
+          <a:p>
+            <a:r>
+              <a:rPr lang="en-GB" dirty="0"/>
+              <a:t>“All measures were instrumented directly in the system.”</a:t>
+            </a:r>
+          </a:p>
+          <a:p>
+            <a:r>
+              <a:rPr lang="en-GB" dirty="0"/>
+              <a:t>“The Unity simulation logged UAV state and event timing, while the web-based dispatcher interface logged interactions and responses.”</a:t>
+            </a:r>
+          </a:p>
+          <a:p>
+            <a:r>
+              <a:rPr lang="en-GB" dirty="0"/>
+              <a:t>“Both were synchronized via timestamps and trial IDs, enabling precise alignment of system events and user </a:t>
+            </a:r>
+            <a:r>
+              <a:rPr lang="en-GB" dirty="0" err="1"/>
+              <a:t>behavior</a:t>
+            </a:r>
+            <a:r>
+              <a:rPr lang="en-GB" dirty="0"/>
+              <a:t>.”</a:t>
+            </a:r>
+          </a:p>
+        </p:txBody>
+      </p:sp>
+      <p:sp>
+        <p:nvSpPr>
+          <p:cNvPr id="4" name="Slide Number Placeholder 3"/>
+          <p:cNvSpPr>
+            <a:spLocks noGrp="1"/>
+          </p:cNvSpPr>
+          <p:nvPr>
+            <p:ph type="sldNum" sz="quarter" idx="10"/>
+          </p:nvPr>
+        </p:nvSpPr>
+        <p:spPr/>
+        <p:txBody>
+          <a:bodyPr/>
+          <a:lstStyle/>
+          <a:p>
+            <a:fld id="{F7021451-1387-4CA6-816F-3879F97B5CBC}" type="slidenum">
+              <a:rPr lang="en-US"/>
+              <a:t>6</a:t>
+            </a:fld>
+            <a:endParaRPr lang="en-US"/>
+          </a:p>
+        </p:txBody>
+      </p:sp>
+    </p:spTree>
+    <p:extLst>
+      <p:ext uri="{BB962C8B-B14F-4D97-AF65-F5344CB8AC3E}">
+        <p14:creationId xmlns:p14="http://schemas.microsoft.com/office/powerpoint/2010/main" val="1024086991"/>
+      </p:ext>
+    </p:extLst>
+  </p:cSld>
+  <p:clrMapOvr>
+    <a:masterClrMapping/>
+  </p:clrMapOvr>
+</p:notes>
+</file>
+
+<file path=ppt/notesSlides/notesSlide7.xml><?xml version="1.0" encoding="utf-8"?>
+<p:notes xmlns:a="http://schemas.openxmlformats.org/drawingml/2006/main" xmlns:r="http://schemas.openxmlformats.org/officeDocument/2006/relationships" xmlns:p="http://schemas.openxmlformats.org/presentationml/2006/main">
+  <p:cSld>
+    <p:spTree>
+      <p:nvGrpSpPr>
+        <p:cNvPr id="1" name=""/>
+        <p:cNvGrpSpPr/>
+        <p:nvPr/>
+      </p:nvGrpSpPr>
+      <p:grpSpPr>
+        <a:xfrm>
+          <a:off x="0" y="0"/>
+          <a:ext cx="0" cy="0"/>
+          <a:chOff x="0" y="0"/>
+          <a:chExt cx="0" cy="0"/>
+        </a:xfrm>
+      </p:grpSpPr>
+      <p:sp>
+        <p:nvSpPr>
+          <p:cNvPr id="2" name="Slide Image Placeholder 1"/>
+          <p:cNvSpPr>
+            <a:spLocks noGrp="1" noRot="1" noChangeAspect="1"/>
+          </p:cNvSpPr>
+          <p:nvPr>
+            <p:ph type="sldImg"/>
+          </p:nvPr>
+        </p:nvSpPr>
+        <p:spPr/>
+      </p:sp>
+      <p:sp>
+        <p:nvSpPr>
+          <p:cNvPr id="3" name="Notes Placeholder 2"/>
+          <p:cNvSpPr>
+            <a:spLocks noGrp="1"/>
+          </p:cNvSpPr>
+          <p:nvPr>
+            <p:ph type="body" idx="1"/>
+          </p:nvPr>
+        </p:nvSpPr>
+        <p:spPr/>
+        <p:txBody>
+          <a:bodyPr/>
+          <a:lstStyle/>
+          <a:p>
+            <a:r>
+              <a:rPr lang="en-GB" dirty="0"/>
+              <a:t>“Structured UAV information significantly improved re-engagement accuracy and response time after interruptions.”</a:t>
+            </a:r>
+          </a:p>
+          <a:p>
+            <a:r>
+              <a:rPr lang="en-GB" dirty="0"/>
+              <a:t>“Importantly, these improvements did not come at the cost of increased workload or task time.”</a:t>
+            </a:r>
+          </a:p>
+          <a:p>
+            <a:r>
+              <a:rPr lang="en-GB" dirty="0"/>
+              <a:t>“One key insight is that continuous video alone is insufficient.”</a:t>
+            </a:r>
+          </a:p>
+          <a:p>
+            <a:r>
+              <a:rPr lang="en-GB" dirty="0"/>
+              <a:t>“Interaction design determines whether information supports or hinders sensemaking during re-engagement.”</a:t>
+            </a:r>
+          </a:p>
+          <a:p>
+            <a:r>
+              <a:rPr lang="en-GB" dirty="0"/>
+              <a:t>“This insight directly motivated my interest in human-AI collaboration.”</a:t>
+            </a:r>
+          </a:p>
+          <a:p>
+            <a:endParaRPr lang="en-GB" dirty="0"/>
+          </a:p>
+          <a:p>
+            <a:endParaRPr lang="en-GB" dirty="0"/>
+          </a:p>
+          <a:p>
+            <a:r>
+              <a:rPr lang="en-GB" dirty="0"/>
+              <a:t>“This work showed that interaction design shapes how people recover understanding after interruptions.”</a:t>
+            </a:r>
+          </a:p>
+          <a:p>
+            <a:r>
+              <a:rPr lang="en-GB" dirty="0"/>
+              <a:t>“My PhD proposal builds on this by studying how humans and AI can co-construct understanding in high-stakes decision making.”</a:t>
+            </a:r>
+          </a:p>
+          <a:p>
+            <a:endParaRPr lang="en-GB" dirty="0"/>
+          </a:p>
+        </p:txBody>
+      </p:sp>
+      <p:sp>
+        <p:nvSpPr>
+          <p:cNvPr id="4" name="Slide Number Placeholder 3"/>
+          <p:cNvSpPr>
+            <a:spLocks noGrp="1"/>
+          </p:cNvSpPr>
+          <p:nvPr>
+            <p:ph type="sldNum" sz="quarter" idx="10"/>
+          </p:nvPr>
+        </p:nvSpPr>
+        <p:spPr/>
+        <p:txBody>
+          <a:bodyPr/>
+          <a:lstStyle/>
+          <a:p>
+            <a:fld id="{F7021451-1387-4CA6-816F-3879F97B5CBC}" type="slidenum">
+              <a:rPr lang="en-US"/>
+              <a:t>7</a:t>
+            </a:fld>
+            <a:endParaRPr lang="en-US"/>
+          </a:p>
+        </p:txBody>
+      </p:sp>
+    </p:spTree>
+    <p:extLst>
+      <p:ext uri="{BB962C8B-B14F-4D97-AF65-F5344CB8AC3E}">
+        <p14:creationId xmlns:p14="http://schemas.microsoft.com/office/powerpoint/2010/main" val="1024086991"/>
+      </p:ext>
+    </p:extLst>
+  </p:cSld>
+  <p:clrMapOvr>
+    <a:masterClrMapping/>
+  </p:clrMapOvr>
+</p:notes>
+</file>
+
+<file path=ppt/notesSlides/notesSlide8.xml><?xml version="1.0" encoding="utf-8"?>
+<p:notes xmlns:a="http://schemas.openxmlformats.org/drawingml/2006/main" xmlns:r="http://schemas.openxmlformats.org/officeDocument/2006/relationships" xmlns:p="http://schemas.openxmlformats.org/presentationml/2006/main">
+  <p:cSld>
+    <p:spTree>
+      <p:nvGrpSpPr>
+        <p:cNvPr id="1" name=""/>
+        <p:cNvGrpSpPr/>
+        <p:nvPr/>
+      </p:nvGrpSpPr>
+      <p:grpSpPr>
+        <a:xfrm>
+          <a:off x="0" y="0"/>
+          <a:ext cx="0" cy="0"/>
+          <a:chOff x="0" y="0"/>
+          <a:chExt cx="0" cy="0"/>
+        </a:xfrm>
+      </p:grpSpPr>
+      <p:sp>
+        <p:nvSpPr>
+          <p:cNvPr id="2" name="Slide Image Placeholder 1"/>
+          <p:cNvSpPr>
+            <a:spLocks noGrp="1" noRot="1" noChangeAspect="1"/>
+          </p:cNvSpPr>
+          <p:nvPr>
+            <p:ph type="sldImg"/>
+          </p:nvPr>
+        </p:nvSpPr>
+        <p:spPr/>
+      </p:sp>
+      <p:sp>
+        <p:nvSpPr>
+          <p:cNvPr id="3" name="Notes Placeholder 2"/>
+          <p:cNvSpPr>
+            <a:spLocks noGrp="1"/>
+          </p:cNvSpPr>
+          <p:nvPr>
+            <p:ph type="body" idx="1"/>
+          </p:nvPr>
+        </p:nvSpPr>
+        <p:spPr/>
+        <p:txBody>
+          <a:bodyPr/>
+          <a:lstStyle/>
+          <a:p>
+            <a:r>
+              <a:rPr lang="en-GB" dirty="0"/>
+              <a:t>“A Security Operations </a:t>
+            </a:r>
+            <a:r>
+              <a:rPr lang="en-GB" dirty="0" err="1"/>
+              <a:t>Center</a:t>
+            </a:r>
+            <a:r>
+              <a:rPr lang="en-GB" dirty="0"/>
+              <a:t>, or SOC, is responsible for monitoring systems and responding to security alerts.</a:t>
+            </a:r>
+            <a:br>
+              <a:rPr lang="en-GB" dirty="0"/>
+            </a:br>
+            <a:r>
+              <a:rPr lang="en-GB" dirty="0"/>
+              <a:t>Analysts perform alert triage: deciding whether an alert should be dismissed, escalated, or trigger containment.”</a:t>
+            </a:r>
+          </a:p>
+          <a:p>
+            <a:r>
+              <a:rPr lang="en-GB" dirty="0"/>
+              <a:t>“This happens under time pressure, with incomplete information, and analysts remain accountable for early decisions.”</a:t>
+            </a:r>
+          </a:p>
+          <a:p>
+            <a:r>
+              <a:rPr lang="en-GB" dirty="0"/>
+              <a:t>“In this proposal, I focus specifically on this early triage phase, where interpretation and responsibility are critical.”</a:t>
+            </a:r>
+          </a:p>
+        </p:txBody>
+      </p:sp>
+      <p:sp>
+        <p:nvSpPr>
+          <p:cNvPr id="4" name="Slide Number Placeholder 3"/>
+          <p:cNvSpPr>
+            <a:spLocks noGrp="1"/>
+          </p:cNvSpPr>
+          <p:nvPr>
+            <p:ph type="sldNum" sz="quarter" idx="10"/>
+          </p:nvPr>
+        </p:nvSpPr>
+        <p:spPr/>
+        <p:txBody>
+          <a:bodyPr/>
+          <a:lstStyle/>
+          <a:p>
+            <a:fld id="{F7021451-1387-4CA6-816F-3879F97B5CBC}" type="slidenum">
+              <a:rPr lang="en-US"/>
+              <a:t>8</a:t>
+            </a:fld>
+            <a:endParaRPr lang="en-US"/>
+          </a:p>
+        </p:txBody>
+      </p:sp>
+    </p:spTree>
+    <p:extLst>
+      <p:ext uri="{BB962C8B-B14F-4D97-AF65-F5344CB8AC3E}">
+        <p14:creationId xmlns:p14="http://schemas.microsoft.com/office/powerpoint/2010/main" val="1024086991"/>
+      </p:ext>
+    </p:extLst>
+  </p:cSld>
+  <p:clrMapOvr>
+    <a:masterClrMapping/>
+  </p:clrMapOvr>
+</p:notes>
+</file>
+
+<file path=ppt/notesSlides/notesSlide9.xml><?xml version="1.0" encoding="utf-8"?>
+<p:notes xmlns:a="http://schemas.openxmlformats.org/drawingml/2006/main" xmlns:r="http://schemas.openxmlformats.org/officeDocument/2006/relationships" xmlns:p="http://schemas.openxmlformats.org/presentationml/2006/main">
+  <p:cSld>
+    <p:spTree>
+      <p:nvGrpSpPr>
+        <p:cNvPr id="1" name=""/>
+        <p:cNvGrpSpPr/>
+        <p:nvPr/>
+      </p:nvGrpSpPr>
+      <p:grpSpPr>
+        <a:xfrm>
+          <a:off x="0" y="0"/>
+          <a:ext cx="0" cy="0"/>
+          <a:chOff x="0" y="0"/>
+          <a:chExt cx="0" cy="0"/>
+        </a:xfrm>
+      </p:grpSpPr>
+      <p:sp>
+        <p:nvSpPr>
+          <p:cNvPr id="2" name="Slide Image Placeholder 1"/>
+          <p:cNvSpPr>
+            <a:spLocks noGrp="1" noRot="1" noChangeAspect="1"/>
+          </p:cNvSpPr>
+          <p:nvPr>
+            <p:ph type="sldImg"/>
+          </p:nvPr>
+        </p:nvSpPr>
+        <p:spPr/>
+      </p:sp>
+      <p:sp>
+        <p:nvSpPr>
+          <p:cNvPr id="3" name="Notes Placeholder 2"/>
+          <p:cNvSpPr>
+            <a:spLocks noGrp="1"/>
+          </p:cNvSpPr>
+          <p:nvPr>
+            <p:ph type="body" idx="1"/>
+          </p:nvPr>
+        </p:nvSpPr>
+        <p:spPr/>
+        <p:txBody>
+          <a:bodyPr/>
+          <a:lstStyle/>
+          <a:p>
+            <a:r>
+              <a:rPr lang="en-GB" dirty="0"/>
+              <a:t>“A Security Operations </a:t>
+            </a:r>
+            <a:r>
+              <a:rPr lang="en-GB" dirty="0" err="1"/>
+              <a:t>Center</a:t>
+            </a:r>
+            <a:r>
+              <a:rPr lang="en-GB" dirty="0"/>
+              <a:t>, or SOC, is responsible for monitoring systems and responding to security alerts.</a:t>
+            </a:r>
+            <a:br>
+              <a:rPr lang="en-GB" dirty="0"/>
+            </a:br>
+            <a:r>
+              <a:rPr lang="en-GB" dirty="0"/>
+              <a:t>Analysts perform alert triage: deciding whether an alert should be dismissed, escalated, or trigger containment.”</a:t>
+            </a:r>
+          </a:p>
+          <a:p>
+            <a:r>
+              <a:rPr lang="en-GB" dirty="0"/>
+              <a:t>“This happens under time pressure, with incomplete information, and analysts remain accountable for early decisions.”</a:t>
+            </a:r>
+          </a:p>
+          <a:p>
+            <a:r>
+              <a:rPr lang="en-GB" dirty="0"/>
+              <a:t>“In this proposal, I focus specifically on this early triage phase, where interpretation and responsibility are critical.”</a:t>
+            </a:r>
+          </a:p>
+        </p:txBody>
+      </p:sp>
+      <p:sp>
+        <p:nvSpPr>
+          <p:cNvPr id="4" name="Slide Number Placeholder 3"/>
+          <p:cNvSpPr>
+            <a:spLocks noGrp="1"/>
+          </p:cNvSpPr>
+          <p:nvPr>
+            <p:ph type="sldNum" sz="quarter" idx="10"/>
+          </p:nvPr>
+        </p:nvSpPr>
+        <p:spPr/>
+        <p:txBody>
+          <a:bodyPr/>
+          <a:lstStyle/>
+          <a:p>
+            <a:fld id="{F7021451-1387-4CA6-816F-3879F97B5CBC}" type="slidenum">
+              <a:rPr lang="en-US"/>
+              <a:t>9</a:t>
             </a:fld>
             <a:endParaRPr lang="en-US"/>
           </a:p>
@@ -943,6 +1807,11 @@
 <file path=ppt/slideMasters/slideMaster1.xml><?xml version="1.0" encoding="utf-8"?>
 <p:sldMaster xmlns:a="http://schemas.openxmlformats.org/drawingml/2006/main" xmlns:r="http://schemas.openxmlformats.org/officeDocument/2006/relationships" xmlns:p="http://schemas.openxmlformats.org/presentationml/2006/main">
   <p:cSld>
+    <p:bg>
+      <p:bgRef idx="1001">
+        <a:schemeClr val="bg1"/>
+      </p:bgRef>
+    </p:bg>
     <p:spTree>
       <p:nvGrpSpPr>
         <p:cNvPr id="1" name=""/>
@@ -1236,14 +2105,14 @@
       </p:grpSpPr>
       <p:pic>
         <p:nvPicPr>
-          <p:cNvPr id="2" name="Image 0" descr="preencoded.png">    </p:cNvPr>
+          <p:cNvPr id="2" name="Image 0" descr="preencoded.png"/>
           <p:cNvPicPr>
             <a:picLocks noChangeAspect="1"/>
           </p:cNvPicPr>
           <p:nvPr/>
         </p:nvPicPr>
         <p:blipFill>
-          <a:blip r:embed="rId1"/>
+          <a:blip r:embed="rId3"/>
           <a:stretch>
             <a:fillRect/>
           </a:stretch>
@@ -1258,6 +2127,202 @@
           </a:prstGeom>
         </p:spPr>
       </p:pic>
+    </p:spTree>
+  </p:cSld>
+  <p:clrMapOvr>
+    <a:masterClrMapping/>
+  </p:clrMapOvr>
+</p:sld>
+</file>
+
+<file path=ppt/slides/slide10.xml><?xml version="1.0" encoding="utf-8"?>
+<p:sld xmlns:a="http://schemas.openxmlformats.org/drawingml/2006/main" xmlns:r="http://schemas.openxmlformats.org/officeDocument/2006/relationships" xmlns:p="http://schemas.openxmlformats.org/presentationml/2006/main">
+  <p:cSld name="Slide 9">
+    <p:spTree>
+      <p:nvGrpSpPr>
+        <p:cNvPr id="1" name=""/>
+        <p:cNvGrpSpPr/>
+        <p:nvPr/>
+      </p:nvGrpSpPr>
+      <p:grpSpPr>
+        <a:xfrm>
+          <a:off x="0" y="0"/>
+          <a:ext cx="0" cy="0"/>
+          <a:chOff x="0" y="0"/>
+          <a:chExt cx="0" cy="0"/>
+        </a:xfrm>
+      </p:grpSpPr>
+      <p:pic>
+        <p:nvPicPr>
+          <p:cNvPr id="2" name="Image 0" descr="preencoded.png"/>
+          <p:cNvPicPr>
+            <a:picLocks noChangeAspect="1"/>
+          </p:cNvPicPr>
+          <p:nvPr/>
+        </p:nvPicPr>
+        <p:blipFill>
+          <a:blip r:embed="rId3"/>
+          <a:stretch>
+            <a:fillRect/>
+          </a:stretch>
+        </p:blipFill>
+        <p:spPr>
+          <a:xfrm>
+            <a:off x="0" y="0"/>
+            <a:ext cx="12188952" cy="6858000"/>
+          </a:xfrm>
+          <a:prstGeom prst="rect">
+            <a:avLst/>
+          </a:prstGeom>
+        </p:spPr>
+      </p:pic>
+    </p:spTree>
+  </p:cSld>
+  <p:clrMapOvr>
+    <a:masterClrMapping/>
+  </p:clrMapOvr>
+</p:sld>
+</file>
+
+<file path=ppt/slides/slide11.xml><?xml version="1.0" encoding="utf-8"?>
+<p:sld xmlns:a="http://schemas.openxmlformats.org/drawingml/2006/main" xmlns:r="http://schemas.openxmlformats.org/officeDocument/2006/relationships" xmlns:p="http://schemas.openxmlformats.org/presentationml/2006/main">
+  <p:cSld name="Slide 10">
+    <p:spTree>
+      <p:nvGrpSpPr>
+        <p:cNvPr id="1" name=""/>
+        <p:cNvGrpSpPr/>
+        <p:nvPr/>
+      </p:nvGrpSpPr>
+      <p:grpSpPr>
+        <a:xfrm>
+          <a:off x="0" y="0"/>
+          <a:ext cx="0" cy="0"/>
+          <a:chOff x="0" y="0"/>
+          <a:chExt cx="0" cy="0"/>
+        </a:xfrm>
+      </p:grpSpPr>
+      <p:pic>
+        <p:nvPicPr>
+          <p:cNvPr id="2" name="Image 0" descr="preencoded.png"/>
+          <p:cNvPicPr>
+            <a:picLocks noChangeAspect="1"/>
+          </p:cNvPicPr>
+          <p:nvPr/>
+        </p:nvPicPr>
+        <p:blipFill>
+          <a:blip r:embed="rId3"/>
+          <a:stretch>
+            <a:fillRect/>
+          </a:stretch>
+        </p:blipFill>
+        <p:spPr>
+          <a:xfrm>
+            <a:off x="0" y="0"/>
+            <a:ext cx="12188952" cy="6858000"/>
+          </a:xfrm>
+          <a:prstGeom prst="rect">
+            <a:avLst/>
+          </a:prstGeom>
+        </p:spPr>
+      </p:pic>
+    </p:spTree>
+  </p:cSld>
+  <p:clrMapOvr>
+    <a:masterClrMapping/>
+  </p:clrMapOvr>
+</p:sld>
+</file>
+
+<file path=ppt/slides/slide12.xml><?xml version="1.0" encoding="utf-8"?>
+<p:sld xmlns:a="http://schemas.openxmlformats.org/drawingml/2006/main" xmlns:r="http://schemas.openxmlformats.org/officeDocument/2006/relationships" xmlns:p="http://schemas.openxmlformats.org/presentationml/2006/main">
+  <p:cSld name="Slide 11">
+    <p:spTree>
+      <p:nvGrpSpPr>
+        <p:cNvPr id="1" name=""/>
+        <p:cNvGrpSpPr/>
+        <p:nvPr/>
+      </p:nvGrpSpPr>
+      <p:grpSpPr>
+        <a:xfrm>
+          <a:off x="0" y="0"/>
+          <a:ext cx="0" cy="0"/>
+          <a:chOff x="0" y="0"/>
+          <a:chExt cx="0" cy="0"/>
+        </a:xfrm>
+      </p:grpSpPr>
+      <p:pic>
+        <p:nvPicPr>
+          <p:cNvPr id="2" name="Image 0" descr="preencoded.png"/>
+          <p:cNvPicPr>
+            <a:picLocks noChangeAspect="1"/>
+          </p:cNvPicPr>
+          <p:nvPr/>
+        </p:nvPicPr>
+        <p:blipFill>
+          <a:blip r:embed="rId3"/>
+          <a:stretch>
+            <a:fillRect/>
+          </a:stretch>
+        </p:blipFill>
+        <p:spPr>
+          <a:xfrm>
+            <a:off x="0" y="0"/>
+            <a:ext cx="12188952" cy="6858000"/>
+          </a:xfrm>
+          <a:prstGeom prst="rect">
+            <a:avLst/>
+          </a:prstGeom>
+        </p:spPr>
+      </p:pic>
+    </p:spTree>
+  </p:cSld>
+  <p:clrMapOvr>
+    <a:masterClrMapping/>
+  </p:clrMapOvr>
+</p:sld>
+</file>
+
+<file path=ppt/slides/slide13.xml><?xml version="1.0" encoding="utf-8"?>
+<p:sld xmlns:a="http://schemas.openxmlformats.org/drawingml/2006/main" xmlns:r="http://schemas.openxmlformats.org/officeDocument/2006/relationships" xmlns:p="http://schemas.openxmlformats.org/presentationml/2006/main">
+  <p:cSld name="Slide 12">
+    <p:spTree>
+      <p:nvGrpSpPr>
+        <p:cNvPr id="1" name=""/>
+        <p:cNvGrpSpPr/>
+        <p:nvPr/>
+      </p:nvGrpSpPr>
+      <p:grpSpPr>
+        <a:xfrm>
+          <a:off x="0" y="0"/>
+          <a:ext cx="0" cy="0"/>
+          <a:chOff x="0" y="0"/>
+          <a:chExt cx="0" cy="0"/>
+        </a:xfrm>
+      </p:grpSpPr>
+      <p:pic>
+        <p:nvPicPr>
+          <p:cNvPr id="2" name="Image 0" descr="preencoded.png"/>
+          <p:cNvPicPr>
+            <a:picLocks noChangeAspect="1"/>
+          </p:cNvPicPr>
+          <p:nvPr/>
+        </p:nvPicPr>
+        <p:blipFill>
+          <a:blip r:embed="rId3"/>
+          <a:stretch>
+            <a:fillRect/>
+          </a:stretch>
+        </p:blipFill>
+        <p:spPr>
+          <a:xfrm>
+            <a:off x="0" y="0"/>
+            <a:ext cx="12188952" cy="6858000"/>
+          </a:xfrm>
+          <a:prstGeom prst="rect">
+            <a:avLst/>
+          </a:prstGeom>
+        </p:spPr>
+      </p:pic>
       <p:sp>
         <p:nvSpPr>
           <p:cNvPr id="3" name="Text 0"/>
@@ -1266,8 +2331,8 @@
         </p:nvSpPr>
         <p:spPr>
           <a:xfrm>
-            <a:off x="1257184" y="5349875"/>
-            <a:ext cx="528505" cy="101600"/>
+            <a:off x="3250387" y="3063875"/>
+            <a:ext cx="2742514" cy="1511300"/>
           </a:xfrm>
           <a:prstGeom prst="rect">
             <a:avLst/>
@@ -1277,23 +2342,21 @@
               <a:alpha val="0"/>
             </a:srgbClr>
           </a:solidFill>
-          <a:ln/>
+          <a:ln>
+            <a:solidFill>
+              <a:srgbClr val="FFFFFF">
+                <a:alpha val="0"/>
+              </a:srgbClr>
+            </a:solidFill>
+          </a:ln>
         </p:spPr>
         <p:txBody>
           <a:bodyPr wrap="square" rtlCol="0" anchor="ctr"/>
           <a:lstStyle/>
           <a:p>
-            <a:pPr indent="0" marL="0">
+            <a:pPr marL="0" indent="0">
               <a:buNone/>
             </a:pPr>
-            <a:r>
-              <a:rPr lang="en-US" dirty="0">
-                <a:solidFill>
-                  <a:srgbClr val="000000"/>
-                </a:solidFill>
-              </a:rPr>
-              <a:t> </a:t>
-            </a:r>
             <a:endParaRPr lang="en-US" dirty="0"/>
           </a:p>
         </p:txBody>
@@ -1306,8 +2369,8 @@
         </p:nvSpPr>
         <p:spPr>
           <a:xfrm>
-            <a:off x="1887264" y="5349875"/>
-            <a:ext cx="649125" cy="101600"/>
+            <a:off x="6196051" y="3063875"/>
+            <a:ext cx="2742514" cy="1511300"/>
           </a:xfrm>
           <a:prstGeom prst="rect">
             <a:avLst/>
@@ -1317,143 +2380,21 @@
               <a:alpha val="0"/>
             </a:srgbClr>
           </a:solidFill>
-          <a:ln/>
+          <a:ln>
+            <a:solidFill>
+              <a:srgbClr val="FFFFFF">
+                <a:alpha val="0"/>
+              </a:srgbClr>
+            </a:solidFill>
+          </a:ln>
         </p:spPr>
         <p:txBody>
           <a:bodyPr wrap="square" rtlCol="0" anchor="ctr"/>
           <a:lstStyle/>
           <a:p>
-            <a:pPr indent="0" marL="0">
+            <a:pPr marL="0" indent="0">
               <a:buNone/>
             </a:pPr>
-            <a:r>
-              <a:rPr lang="en-US" dirty="0">
-                <a:solidFill>
-                  <a:srgbClr val="000000"/>
-                </a:solidFill>
-              </a:rPr>
-              <a:t> </a:t>
-            </a:r>
-            <a:endParaRPr lang="en-US" dirty="0"/>
-          </a:p>
-        </p:txBody>
-      </p:sp>
-      <p:sp>
-        <p:nvSpPr>
-          <p:cNvPr id="5" name="Text 2"/>
-          <p:cNvSpPr/>
-          <p:nvPr/>
-        </p:nvSpPr>
-        <p:spPr>
-          <a:xfrm>
-            <a:off x="1257184" y="12538075"/>
-            <a:ext cx="649125" cy="101600"/>
-          </a:xfrm>
-          <a:prstGeom prst="rect">
-            <a:avLst/>
-          </a:prstGeom>
-          <a:solidFill>
-            <a:srgbClr val="FFFFFF">
-              <a:alpha val="0"/>
-            </a:srgbClr>
-          </a:solidFill>
-          <a:ln/>
-        </p:spPr>
-        <p:txBody>
-          <a:bodyPr wrap="square" rtlCol="0" anchor="ctr"/>
-          <a:lstStyle/>
-          <a:p>
-            <a:pPr indent="0" marL="0">
-              <a:buNone/>
-            </a:pPr>
-            <a:r>
-              <a:rPr lang="en-US" dirty="0">
-                <a:solidFill>
-                  <a:srgbClr val="000000"/>
-                </a:solidFill>
-              </a:rPr>
-              <a:t> </a:t>
-            </a:r>
-            <a:endParaRPr lang="en-US" dirty="0"/>
-          </a:p>
-        </p:txBody>
-      </p:sp>
-      <p:sp>
-        <p:nvSpPr>
-          <p:cNvPr id="6" name="Text 3"/>
-          <p:cNvSpPr/>
-          <p:nvPr/>
-        </p:nvSpPr>
-        <p:spPr>
-          <a:xfrm>
-            <a:off x="2007884" y="12538075"/>
-            <a:ext cx="821425" cy="101600"/>
-          </a:xfrm>
-          <a:prstGeom prst="rect">
-            <a:avLst/>
-          </a:prstGeom>
-          <a:solidFill>
-            <a:srgbClr val="FFFFFF">
-              <a:alpha val="0"/>
-            </a:srgbClr>
-          </a:solidFill>
-          <a:ln/>
-        </p:spPr>
-        <p:txBody>
-          <a:bodyPr wrap="square" rtlCol="0" anchor="ctr"/>
-          <a:lstStyle/>
-          <a:p>
-            <a:pPr indent="0" marL="0">
-              <a:buNone/>
-            </a:pPr>
-            <a:r>
-              <a:rPr lang="en-US" dirty="0">
-                <a:solidFill>
-                  <a:srgbClr val="000000"/>
-                </a:solidFill>
-              </a:rPr>
-              <a:t> </a:t>
-            </a:r>
-            <a:endParaRPr lang="en-US" dirty="0"/>
-          </a:p>
-        </p:txBody>
-      </p:sp>
-      <p:sp>
-        <p:nvSpPr>
-          <p:cNvPr id="7" name="Text 4"/>
-          <p:cNvSpPr/>
-          <p:nvPr/>
-        </p:nvSpPr>
-        <p:spPr>
-          <a:xfrm>
-            <a:off x="2930884" y="12538075"/>
-            <a:ext cx="611332" cy="101600"/>
-          </a:xfrm>
-          <a:prstGeom prst="rect">
-            <a:avLst/>
-          </a:prstGeom>
-          <a:solidFill>
-            <a:srgbClr val="FFFFFF">
-              <a:alpha val="0"/>
-            </a:srgbClr>
-          </a:solidFill>
-          <a:ln/>
-        </p:spPr>
-        <p:txBody>
-          <a:bodyPr wrap="square" rtlCol="0" anchor="ctr"/>
-          <a:lstStyle/>
-          <a:p>
-            <a:pPr indent="0" marL="0">
-              <a:buNone/>
-            </a:pPr>
-            <a:r>
-              <a:rPr lang="en-US" dirty="0">
-                <a:solidFill>
-                  <a:srgbClr val="000000"/>
-                </a:solidFill>
-              </a:rPr>
-              <a:t> </a:t>
-            </a:r>
             <a:endParaRPr lang="en-US" dirty="0"/>
           </a:p>
         </p:txBody>
@@ -1485,14 +2426,14 @@
       </p:grpSpPr>
       <p:pic>
         <p:nvPicPr>
-          <p:cNvPr id="2" name="Image 0" descr="preencoded.png">    </p:cNvPr>
+          <p:cNvPr id="2" name="Image 0" descr="preencoded.png"/>
           <p:cNvPicPr>
             <a:picLocks noChangeAspect="1"/>
           </p:cNvPicPr>
           <p:nvPr/>
         </p:nvPicPr>
         <p:blipFill>
-          <a:blip r:embed="rId1"/>
+          <a:blip r:embed="rId3"/>
           <a:stretch>
             <a:fillRect/>
           </a:stretch>
@@ -1507,206 +2448,6 @@
           </a:prstGeom>
         </p:spPr>
       </p:pic>
-      <p:sp>
-        <p:nvSpPr>
-          <p:cNvPr id="3" name="Text 0"/>
-          <p:cNvSpPr/>
-          <p:nvPr/>
-        </p:nvSpPr>
-        <p:spPr>
-          <a:xfrm>
-            <a:off x="1257184" y="-2524125"/>
-            <a:ext cx="528505" cy="101600"/>
-          </a:xfrm>
-          <a:prstGeom prst="rect">
-            <a:avLst/>
-          </a:prstGeom>
-          <a:solidFill>
-            <a:srgbClr val="FFFFFF">
-              <a:alpha val="0"/>
-            </a:srgbClr>
-          </a:solidFill>
-          <a:ln/>
-        </p:spPr>
-        <p:txBody>
-          <a:bodyPr wrap="square" rtlCol="0" anchor="ctr"/>
-          <a:lstStyle/>
-          <a:p>
-            <a:pPr indent="0" marL="0">
-              <a:buNone/>
-            </a:pPr>
-            <a:r>
-              <a:rPr lang="en-US" dirty="0">
-                <a:solidFill>
-                  <a:srgbClr val="000000"/>
-                </a:solidFill>
-              </a:rPr>
-              <a:t> </a:t>
-            </a:r>
-            <a:endParaRPr lang="en-US" dirty="0"/>
-          </a:p>
-        </p:txBody>
-      </p:sp>
-      <p:sp>
-        <p:nvSpPr>
-          <p:cNvPr id="4" name="Text 1"/>
-          <p:cNvSpPr/>
-          <p:nvPr/>
-        </p:nvSpPr>
-        <p:spPr>
-          <a:xfrm>
-            <a:off x="1887264" y="-2524125"/>
-            <a:ext cx="649125" cy="101600"/>
-          </a:xfrm>
-          <a:prstGeom prst="rect">
-            <a:avLst/>
-          </a:prstGeom>
-          <a:solidFill>
-            <a:srgbClr val="FFFFFF">
-              <a:alpha val="0"/>
-            </a:srgbClr>
-          </a:solidFill>
-          <a:ln/>
-        </p:spPr>
-        <p:txBody>
-          <a:bodyPr wrap="square" rtlCol="0" anchor="ctr"/>
-          <a:lstStyle/>
-          <a:p>
-            <a:pPr indent="0" marL="0">
-              <a:buNone/>
-            </a:pPr>
-            <a:r>
-              <a:rPr lang="en-US" dirty="0">
-                <a:solidFill>
-                  <a:srgbClr val="000000"/>
-                </a:solidFill>
-              </a:rPr>
-              <a:t> </a:t>
-            </a:r>
-            <a:endParaRPr lang="en-US" dirty="0"/>
-          </a:p>
-        </p:txBody>
-      </p:sp>
-      <p:sp>
-        <p:nvSpPr>
-          <p:cNvPr id="5" name="Text 2"/>
-          <p:cNvSpPr/>
-          <p:nvPr/>
-        </p:nvSpPr>
-        <p:spPr>
-          <a:xfrm>
-            <a:off x="1257184" y="4664075"/>
-            <a:ext cx="649125" cy="101600"/>
-          </a:xfrm>
-          <a:prstGeom prst="rect">
-            <a:avLst/>
-          </a:prstGeom>
-          <a:solidFill>
-            <a:srgbClr val="FFFFFF">
-              <a:alpha val="0"/>
-            </a:srgbClr>
-          </a:solidFill>
-          <a:ln/>
-        </p:spPr>
-        <p:txBody>
-          <a:bodyPr wrap="square" rtlCol="0" anchor="ctr"/>
-          <a:lstStyle/>
-          <a:p>
-            <a:pPr indent="0" marL="0">
-              <a:buNone/>
-            </a:pPr>
-            <a:r>
-              <a:rPr lang="en-US" dirty="0">
-                <a:solidFill>
-                  <a:srgbClr val="000000"/>
-                </a:solidFill>
-              </a:rPr>
-              <a:t> </a:t>
-            </a:r>
-            <a:endParaRPr lang="en-US" dirty="0"/>
-          </a:p>
-        </p:txBody>
-      </p:sp>
-      <p:sp>
-        <p:nvSpPr>
-          <p:cNvPr id="6" name="Text 3"/>
-          <p:cNvSpPr/>
-          <p:nvPr/>
-        </p:nvSpPr>
-        <p:spPr>
-          <a:xfrm>
-            <a:off x="2007884" y="4664075"/>
-            <a:ext cx="821425" cy="101600"/>
-          </a:xfrm>
-          <a:prstGeom prst="rect">
-            <a:avLst/>
-          </a:prstGeom>
-          <a:solidFill>
-            <a:srgbClr val="FFFFFF">
-              <a:alpha val="0"/>
-            </a:srgbClr>
-          </a:solidFill>
-          <a:ln/>
-        </p:spPr>
-        <p:txBody>
-          <a:bodyPr wrap="square" rtlCol="0" anchor="ctr"/>
-          <a:lstStyle/>
-          <a:p>
-            <a:pPr indent="0" marL="0">
-              <a:buNone/>
-            </a:pPr>
-            <a:r>
-              <a:rPr lang="en-US" dirty="0">
-                <a:solidFill>
-                  <a:srgbClr val="000000"/>
-                </a:solidFill>
-              </a:rPr>
-              <a:t> </a:t>
-            </a:r>
-            <a:endParaRPr lang="en-US" dirty="0"/>
-          </a:p>
-        </p:txBody>
-      </p:sp>
-      <p:sp>
-        <p:nvSpPr>
-          <p:cNvPr id="7" name="Text 4"/>
-          <p:cNvSpPr/>
-          <p:nvPr/>
-        </p:nvSpPr>
-        <p:spPr>
-          <a:xfrm>
-            <a:off x="2930884" y="4664075"/>
-            <a:ext cx="611332" cy="101600"/>
-          </a:xfrm>
-          <a:prstGeom prst="rect">
-            <a:avLst/>
-          </a:prstGeom>
-          <a:solidFill>
-            <a:srgbClr val="FFFFFF">
-              <a:alpha val="0"/>
-            </a:srgbClr>
-          </a:solidFill>
-          <a:ln/>
-        </p:spPr>
-        <p:txBody>
-          <a:bodyPr wrap="square" rtlCol="0" anchor="ctr"/>
-          <a:lstStyle/>
-          <a:p>
-            <a:pPr indent="0" marL="0">
-              <a:buNone/>
-            </a:pPr>
-            <a:r>
-              <a:rPr lang="en-US" dirty="0">
-                <a:solidFill>
-                  <a:srgbClr val="000000"/>
-                </a:solidFill>
-              </a:rPr>
-              <a:t> </a:t>
-            </a:r>
-            <a:endParaRPr lang="en-US" dirty="0"/>
-          </a:p>
-        </p:txBody>
-      </p:sp>
     </p:spTree>
   </p:cSld>
   <p:clrMapOvr>
@@ -1734,14 +2475,14 @@
       </p:grpSpPr>
       <p:pic>
         <p:nvPicPr>
-          <p:cNvPr id="2" name="Image 0" descr="preencoded.png">    </p:cNvPr>
+          <p:cNvPr id="2" name="Image 0" descr="preencoded.png"/>
           <p:cNvPicPr>
             <a:picLocks noChangeAspect="1"/>
           </p:cNvPicPr>
           <p:nvPr/>
         </p:nvPicPr>
         <p:blipFill>
-          <a:blip r:embed="rId1"/>
+          <a:blip r:embed="rId3"/>
           <a:stretch>
             <a:fillRect/>
           </a:stretch>
@@ -1756,206 +2497,6 @@
           </a:prstGeom>
         </p:spPr>
       </p:pic>
-      <p:sp>
-        <p:nvSpPr>
-          <p:cNvPr id="3" name="Text 0"/>
-          <p:cNvSpPr/>
-          <p:nvPr/>
-        </p:nvSpPr>
-        <p:spPr>
-          <a:xfrm>
-            <a:off x="1257184" y="-10398125"/>
-            <a:ext cx="528505" cy="101600"/>
-          </a:xfrm>
-          <a:prstGeom prst="rect">
-            <a:avLst/>
-          </a:prstGeom>
-          <a:solidFill>
-            <a:srgbClr val="FFFFFF">
-              <a:alpha val="0"/>
-            </a:srgbClr>
-          </a:solidFill>
-          <a:ln/>
-        </p:spPr>
-        <p:txBody>
-          <a:bodyPr wrap="square" rtlCol="0" anchor="ctr"/>
-          <a:lstStyle/>
-          <a:p>
-            <a:pPr indent="0" marL="0">
-              <a:buNone/>
-            </a:pPr>
-            <a:r>
-              <a:rPr lang="en-US" dirty="0">
-                <a:solidFill>
-                  <a:srgbClr val="000000"/>
-                </a:solidFill>
-              </a:rPr>
-              <a:t> </a:t>
-            </a:r>
-            <a:endParaRPr lang="en-US" dirty="0"/>
-          </a:p>
-        </p:txBody>
-      </p:sp>
-      <p:sp>
-        <p:nvSpPr>
-          <p:cNvPr id="4" name="Text 1"/>
-          <p:cNvSpPr/>
-          <p:nvPr/>
-        </p:nvSpPr>
-        <p:spPr>
-          <a:xfrm>
-            <a:off x="1887264" y="-10398125"/>
-            <a:ext cx="649125" cy="101600"/>
-          </a:xfrm>
-          <a:prstGeom prst="rect">
-            <a:avLst/>
-          </a:prstGeom>
-          <a:solidFill>
-            <a:srgbClr val="FFFFFF">
-              <a:alpha val="0"/>
-            </a:srgbClr>
-          </a:solidFill>
-          <a:ln/>
-        </p:spPr>
-        <p:txBody>
-          <a:bodyPr wrap="square" rtlCol="0" anchor="ctr"/>
-          <a:lstStyle/>
-          <a:p>
-            <a:pPr indent="0" marL="0">
-              <a:buNone/>
-            </a:pPr>
-            <a:r>
-              <a:rPr lang="en-US" dirty="0">
-                <a:solidFill>
-                  <a:srgbClr val="000000"/>
-                </a:solidFill>
-              </a:rPr>
-              <a:t> </a:t>
-            </a:r>
-            <a:endParaRPr lang="en-US" dirty="0"/>
-          </a:p>
-        </p:txBody>
-      </p:sp>
-      <p:sp>
-        <p:nvSpPr>
-          <p:cNvPr id="5" name="Text 2"/>
-          <p:cNvSpPr/>
-          <p:nvPr/>
-        </p:nvSpPr>
-        <p:spPr>
-          <a:xfrm>
-            <a:off x="1257184" y="-3209925"/>
-            <a:ext cx="649125" cy="101600"/>
-          </a:xfrm>
-          <a:prstGeom prst="rect">
-            <a:avLst/>
-          </a:prstGeom>
-          <a:solidFill>
-            <a:srgbClr val="FFFFFF">
-              <a:alpha val="0"/>
-            </a:srgbClr>
-          </a:solidFill>
-          <a:ln/>
-        </p:spPr>
-        <p:txBody>
-          <a:bodyPr wrap="square" rtlCol="0" anchor="ctr"/>
-          <a:lstStyle/>
-          <a:p>
-            <a:pPr indent="0" marL="0">
-              <a:buNone/>
-            </a:pPr>
-            <a:r>
-              <a:rPr lang="en-US" dirty="0">
-                <a:solidFill>
-                  <a:srgbClr val="000000"/>
-                </a:solidFill>
-              </a:rPr>
-              <a:t> </a:t>
-            </a:r>
-            <a:endParaRPr lang="en-US" dirty="0"/>
-          </a:p>
-        </p:txBody>
-      </p:sp>
-      <p:sp>
-        <p:nvSpPr>
-          <p:cNvPr id="6" name="Text 3"/>
-          <p:cNvSpPr/>
-          <p:nvPr/>
-        </p:nvSpPr>
-        <p:spPr>
-          <a:xfrm>
-            <a:off x="2007884" y="-3209925"/>
-            <a:ext cx="821425" cy="101600"/>
-          </a:xfrm>
-          <a:prstGeom prst="rect">
-            <a:avLst/>
-          </a:prstGeom>
-          <a:solidFill>
-            <a:srgbClr val="FFFFFF">
-              <a:alpha val="0"/>
-            </a:srgbClr>
-          </a:solidFill>
-          <a:ln/>
-        </p:spPr>
-        <p:txBody>
-          <a:bodyPr wrap="square" rtlCol="0" anchor="ctr"/>
-          <a:lstStyle/>
-          <a:p>
-            <a:pPr indent="0" marL="0">
-              <a:buNone/>
-            </a:pPr>
-            <a:r>
-              <a:rPr lang="en-US" dirty="0">
-                <a:solidFill>
-                  <a:srgbClr val="000000"/>
-                </a:solidFill>
-              </a:rPr>
-              <a:t> </a:t>
-            </a:r>
-            <a:endParaRPr lang="en-US" dirty="0"/>
-          </a:p>
-        </p:txBody>
-      </p:sp>
-      <p:sp>
-        <p:nvSpPr>
-          <p:cNvPr id="7" name="Text 4"/>
-          <p:cNvSpPr/>
-          <p:nvPr/>
-        </p:nvSpPr>
-        <p:spPr>
-          <a:xfrm>
-            <a:off x="2930884" y="-3209925"/>
-            <a:ext cx="611332" cy="101600"/>
-          </a:xfrm>
-          <a:prstGeom prst="rect">
-            <a:avLst/>
-          </a:prstGeom>
-          <a:solidFill>
-            <a:srgbClr val="FFFFFF">
-              <a:alpha val="0"/>
-            </a:srgbClr>
-          </a:solidFill>
-          <a:ln/>
-        </p:spPr>
-        <p:txBody>
-          <a:bodyPr wrap="square" rtlCol="0" anchor="ctr"/>
-          <a:lstStyle/>
-          <a:p>
-            <a:pPr indent="0" marL="0">
-              <a:buNone/>
-            </a:pPr>
-            <a:r>
-              <a:rPr lang="en-US" dirty="0">
-                <a:solidFill>
-                  <a:srgbClr val="000000"/>
-                </a:solidFill>
-              </a:rPr>
-              <a:t> </a:t>
-            </a:r>
-            <a:endParaRPr lang="en-US" dirty="0"/>
-          </a:p>
-        </p:txBody>
-      </p:sp>
     </p:spTree>
   </p:cSld>
   <p:clrMapOvr>
@@ -1983,14 +2524,14 @@
       </p:grpSpPr>
       <p:pic>
         <p:nvPicPr>
-          <p:cNvPr id="2" name="Image 0" descr="preencoded.png">    </p:cNvPr>
+          <p:cNvPr id="2" name="Image 0" descr="preencoded.png"/>
           <p:cNvPicPr>
             <a:picLocks noChangeAspect="1"/>
           </p:cNvPicPr>
           <p:nvPr/>
         </p:nvPicPr>
         <p:blipFill>
-          <a:blip r:embed="rId1"/>
+          <a:blip r:embed="rId3"/>
           <a:stretch>
             <a:fillRect/>
           </a:stretch>
@@ -2013,8 +2554,8 @@
         </p:nvSpPr>
         <p:spPr>
           <a:xfrm>
-            <a:off x="1257184" y="-18272125"/>
-            <a:ext cx="528505" cy="101600"/>
+            <a:off x="2823853" y="4999038"/>
+            <a:ext cx="263162" cy="88900"/>
           </a:xfrm>
           <a:prstGeom prst="rect">
             <a:avLst/>
@@ -2024,183 +2565,21 @@
               <a:alpha val="0"/>
             </a:srgbClr>
           </a:solidFill>
-          <a:ln/>
+          <a:ln>
+            <a:solidFill>
+              <a:srgbClr val="FFFFFF">
+                <a:alpha val="0"/>
+              </a:srgbClr>
+            </a:solidFill>
+          </a:ln>
         </p:spPr>
         <p:txBody>
           <a:bodyPr wrap="square" rtlCol="0" anchor="ctr"/>
           <a:lstStyle/>
           <a:p>
-            <a:pPr indent="0" marL="0">
+            <a:pPr marL="0" indent="0">
               <a:buNone/>
             </a:pPr>
-            <a:r>
-              <a:rPr lang="en-US" dirty="0">
-                <a:solidFill>
-                  <a:srgbClr val="000000"/>
-                </a:solidFill>
-              </a:rPr>
-              <a:t> </a:t>
-            </a:r>
-            <a:endParaRPr lang="en-US" dirty="0"/>
-          </a:p>
-        </p:txBody>
-      </p:sp>
-      <p:sp>
-        <p:nvSpPr>
-          <p:cNvPr id="4" name="Text 1"/>
-          <p:cNvSpPr/>
-          <p:nvPr/>
-        </p:nvSpPr>
-        <p:spPr>
-          <a:xfrm>
-            <a:off x="1887264" y="-18272125"/>
-            <a:ext cx="649125" cy="101600"/>
-          </a:xfrm>
-          <a:prstGeom prst="rect">
-            <a:avLst/>
-          </a:prstGeom>
-          <a:solidFill>
-            <a:srgbClr val="FFFFFF">
-              <a:alpha val="0"/>
-            </a:srgbClr>
-          </a:solidFill>
-          <a:ln/>
-        </p:spPr>
-        <p:txBody>
-          <a:bodyPr wrap="square" rtlCol="0" anchor="ctr"/>
-          <a:lstStyle/>
-          <a:p>
-            <a:pPr indent="0" marL="0">
-              <a:buNone/>
-            </a:pPr>
-            <a:r>
-              <a:rPr lang="en-US" dirty="0">
-                <a:solidFill>
-                  <a:srgbClr val="000000"/>
-                </a:solidFill>
-              </a:rPr>
-              <a:t> </a:t>
-            </a:r>
-            <a:endParaRPr lang="en-US" dirty="0"/>
-          </a:p>
-        </p:txBody>
-      </p:sp>
-      <p:sp>
-        <p:nvSpPr>
-          <p:cNvPr id="5" name="Text 2"/>
-          <p:cNvSpPr/>
-          <p:nvPr/>
-        </p:nvSpPr>
-        <p:spPr>
-          <a:xfrm>
-            <a:off x="1257184" y="-11083925"/>
-            <a:ext cx="649125" cy="101600"/>
-          </a:xfrm>
-          <a:prstGeom prst="rect">
-            <a:avLst/>
-          </a:prstGeom>
-          <a:solidFill>
-            <a:srgbClr val="FFFFFF">
-              <a:alpha val="0"/>
-            </a:srgbClr>
-          </a:solidFill>
-          <a:ln/>
-        </p:spPr>
-        <p:txBody>
-          <a:bodyPr wrap="square" rtlCol="0" anchor="ctr"/>
-          <a:lstStyle/>
-          <a:p>
-            <a:pPr indent="0" marL="0">
-              <a:buNone/>
-            </a:pPr>
-            <a:r>
-              <a:rPr lang="en-US" dirty="0">
-                <a:solidFill>
-                  <a:srgbClr val="000000"/>
-                </a:solidFill>
-              </a:rPr>
-              <a:t> </a:t>
-            </a:r>
-            <a:endParaRPr lang="en-US" dirty="0"/>
-          </a:p>
-        </p:txBody>
-      </p:sp>
-      <p:sp>
-        <p:nvSpPr>
-          <p:cNvPr id="6" name="Text 3"/>
-          <p:cNvSpPr/>
-          <p:nvPr/>
-        </p:nvSpPr>
-        <p:spPr>
-          <a:xfrm>
-            <a:off x="2007884" y="-11083925"/>
-            <a:ext cx="821425" cy="101600"/>
-          </a:xfrm>
-          <a:prstGeom prst="rect">
-            <a:avLst/>
-          </a:prstGeom>
-          <a:solidFill>
-            <a:srgbClr val="FFFFFF">
-              <a:alpha val="0"/>
-            </a:srgbClr>
-          </a:solidFill>
-          <a:ln/>
-        </p:spPr>
-        <p:txBody>
-          <a:bodyPr wrap="square" rtlCol="0" anchor="ctr"/>
-          <a:lstStyle/>
-          <a:p>
-            <a:pPr indent="0" marL="0">
-              <a:buNone/>
-            </a:pPr>
-            <a:r>
-              <a:rPr lang="en-US" dirty="0">
-                <a:solidFill>
-                  <a:srgbClr val="000000"/>
-                </a:solidFill>
-              </a:rPr>
-              <a:t> </a:t>
-            </a:r>
-            <a:endParaRPr lang="en-US" dirty="0"/>
-          </a:p>
-        </p:txBody>
-      </p:sp>
-      <p:sp>
-        <p:nvSpPr>
-          <p:cNvPr id="7" name="Text 4"/>
-          <p:cNvSpPr/>
-          <p:nvPr/>
-        </p:nvSpPr>
-        <p:spPr>
-          <a:xfrm>
-            <a:off x="2930884" y="-11083925"/>
-            <a:ext cx="611332" cy="101600"/>
-          </a:xfrm>
-          <a:prstGeom prst="rect">
-            <a:avLst/>
-          </a:prstGeom>
-          <a:solidFill>
-            <a:srgbClr val="FFFFFF">
-              <a:alpha val="0"/>
-            </a:srgbClr>
-          </a:solidFill>
-          <a:ln/>
-        </p:spPr>
-        <p:txBody>
-          <a:bodyPr wrap="square" rtlCol="0" anchor="ctr"/>
-          <a:lstStyle/>
-          <a:p>
-            <a:pPr indent="0" marL="0">
-              <a:buNone/>
-            </a:pPr>
-            <a:r>
-              <a:rPr lang="en-US" dirty="0">
-                <a:solidFill>
-                  <a:srgbClr val="000000"/>
-                </a:solidFill>
-              </a:rPr>
-              <a:t> </a:t>
-            </a:r>
             <a:endParaRPr lang="en-US" dirty="0"/>
           </a:p>
         </p:txBody>
@@ -2232,14 +2611,14 @@
       </p:grpSpPr>
       <p:pic>
         <p:nvPicPr>
-          <p:cNvPr id="2" name="Image 0" descr="preencoded.png">    </p:cNvPr>
+          <p:cNvPr id="2" name="Image 0" descr="preencoded.png"/>
           <p:cNvPicPr>
             <a:picLocks noChangeAspect="1"/>
           </p:cNvPicPr>
           <p:nvPr/>
         </p:nvPicPr>
         <p:blipFill>
-          <a:blip r:embed="rId1"/>
+          <a:blip r:embed="rId3"/>
           <a:stretch>
             <a:fillRect/>
           </a:stretch>
@@ -2254,15 +2633,164 @@
           </a:prstGeom>
         </p:spPr>
       </p:pic>
-      <p:sp>
-        <p:nvSpPr>
-          <p:cNvPr id="3" name="Text 0"/>
+    </p:spTree>
+  </p:cSld>
+  <p:clrMapOvr>
+    <a:masterClrMapping/>
+  </p:clrMapOvr>
+</p:sld>
+</file>
+
+<file path=ppt/slides/slide6.xml><?xml version="1.0" encoding="utf-8"?>
+<p:sld xmlns:a="http://schemas.openxmlformats.org/drawingml/2006/main" xmlns:r="http://schemas.openxmlformats.org/officeDocument/2006/relationships" xmlns:p="http://schemas.openxmlformats.org/presentationml/2006/main">
+  <p:cSld name="Slide 6">
+    <p:spTree>
+      <p:nvGrpSpPr>
+        <p:cNvPr id="1" name=""/>
+        <p:cNvGrpSpPr/>
+        <p:nvPr/>
+      </p:nvGrpSpPr>
+      <p:grpSpPr>
+        <a:xfrm>
+          <a:off x="0" y="0"/>
+          <a:ext cx="0" cy="0"/>
+          <a:chOff x="0" y="0"/>
+          <a:chExt cx="0" cy="0"/>
+        </a:xfrm>
+      </p:grpSpPr>
+      <p:pic>
+        <p:nvPicPr>
+          <p:cNvPr id="2" name="Image 0" descr="preencoded.png"/>
+          <p:cNvPicPr>
+            <a:picLocks noChangeAspect="1"/>
+          </p:cNvPicPr>
+          <p:nvPr/>
+        </p:nvPicPr>
+        <p:blipFill>
+          <a:blip r:embed="rId3"/>
+          <a:stretch>
+            <a:fillRect/>
+          </a:stretch>
+        </p:blipFill>
+        <p:spPr>
+          <a:xfrm>
+            <a:off x="0" y="0"/>
+            <a:ext cx="12188952" cy="6858000"/>
+          </a:xfrm>
+          <a:prstGeom prst="rect">
+            <a:avLst/>
+          </a:prstGeom>
+        </p:spPr>
+      </p:pic>
+    </p:spTree>
+  </p:cSld>
+  <p:clrMapOvr>
+    <a:masterClrMapping/>
+  </p:clrMapOvr>
+</p:sld>
+</file>
+
+<file path=ppt/slides/slide7.xml><?xml version="1.0" encoding="utf-8"?>
+<p:sld xmlns:a="http://schemas.openxmlformats.org/drawingml/2006/main" xmlns:r="http://schemas.openxmlformats.org/officeDocument/2006/relationships" xmlns:p="http://schemas.openxmlformats.org/presentationml/2006/main">
+  <p:cSld name="Slide 7">
+    <p:spTree>
+      <p:nvGrpSpPr>
+        <p:cNvPr id="1" name=""/>
+        <p:cNvGrpSpPr/>
+        <p:nvPr/>
+      </p:nvGrpSpPr>
+      <p:grpSpPr>
+        <a:xfrm>
+          <a:off x="0" y="0"/>
+          <a:ext cx="0" cy="0"/>
+          <a:chOff x="0" y="0"/>
+          <a:chExt cx="0" cy="0"/>
+        </a:xfrm>
+      </p:grpSpPr>
+      <p:pic>
+        <p:nvPicPr>
+          <p:cNvPr id="2" name="Image 0" descr="preencoded.png"/>
+          <p:cNvPicPr>
+            <a:picLocks noChangeAspect="1"/>
+          </p:cNvPicPr>
+          <p:nvPr/>
+        </p:nvPicPr>
+        <p:blipFill>
+          <a:blip r:embed="rId3"/>
+          <a:stretch>
+            <a:fillRect/>
+          </a:stretch>
+        </p:blipFill>
+        <p:spPr>
+          <a:xfrm>
+            <a:off x="0" y="0"/>
+            <a:ext cx="12188952" cy="6858000"/>
+          </a:xfrm>
+          <a:prstGeom prst="rect">
+            <a:avLst/>
+          </a:prstGeom>
+        </p:spPr>
+      </p:pic>
+    </p:spTree>
+  </p:cSld>
+  <p:clrMapOvr>
+    <a:masterClrMapping/>
+  </p:clrMapOvr>
+</p:sld>
+</file>
+
+<file path=ppt/slides/slide8.xml><?xml version="1.0" encoding="utf-8"?>
+<p:sld xmlns:a="http://schemas.openxmlformats.org/drawingml/2006/main" xmlns:r="http://schemas.openxmlformats.org/officeDocument/2006/relationships" xmlns:p="http://schemas.openxmlformats.org/presentationml/2006/main">
+  <p:cSld>
+    <p:spTree>
+      <p:nvGrpSpPr>
+        <p:cNvPr id="1" name=""/>
+        <p:cNvGrpSpPr/>
+        <p:nvPr/>
+      </p:nvGrpSpPr>
+      <p:grpSpPr>
+        <a:xfrm>
+          <a:off x="0" y="0"/>
+          <a:ext cx="0" cy="0"/>
+          <a:chOff x="0" y="0"/>
+          <a:chExt cx="0" cy="0"/>
+        </a:xfrm>
+      </p:grpSpPr>
+      <p:pic>
+        <p:nvPicPr>
+          <p:cNvPr id="2" name="Image 0" descr="preencoded.png"/>
+          <p:cNvPicPr>
+            <a:picLocks noChangeAspect="1"/>
+          </p:cNvPicPr>
+          <p:nvPr/>
+        </p:nvPicPr>
+        <p:blipFill>
+          <a:blip r:embed="rId3"/>
+          <a:stretch>
+            <a:fillRect/>
+          </a:stretch>
+        </p:blipFill>
+        <p:spPr>
+          <a:xfrm>
+            <a:off x="0" y="0"/>
+            <a:ext cx="12188952" cy="6858000"/>
+          </a:xfrm>
+          <a:prstGeom prst="rect">
+            <a:avLst/>
+          </a:prstGeom>
+        </p:spPr>
+      </p:pic>
+      <p:sp>
+        <p:nvSpPr>
+          <p:cNvPr id="3" name="Text 0">
+            <a:hlinkClick r:id="rId4"/>
+          </p:cNvPr>
           <p:cNvSpPr/>
           <p:nvPr/>
         </p:nvSpPr>
         <p:spPr>
           <a:xfrm>
-            <a:off x="1257184" y="-26146125"/>
+            <a:off x="1257184" y="5349875"/>
             <a:ext cx="528505" cy="101600"/>
           </a:xfrm>
           <a:prstGeom prst="rect">
@@ -2273,36 +2801,36 @@
               <a:alpha val="0"/>
             </a:srgbClr>
           </a:solidFill>
-          <a:ln/>
+          <a:ln>
+            <a:solidFill>
+              <a:srgbClr val="FFFFFF">
+                <a:alpha val="0"/>
+              </a:srgbClr>
+            </a:solidFill>
+          </a:ln>
         </p:spPr>
         <p:txBody>
           <a:bodyPr wrap="square" rtlCol="0" anchor="ctr"/>
           <a:lstStyle/>
           <a:p>
-            <a:pPr indent="0" marL="0">
+            <a:pPr marL="0" indent="0">
               <a:buNone/>
             </a:pPr>
-            <a:r>
-              <a:rPr lang="en-US" dirty="0">
-                <a:solidFill>
-                  <a:srgbClr val="000000"/>
-                </a:solidFill>
-              </a:rPr>
-              <a:t> </a:t>
-            </a:r>
             <a:endParaRPr lang="en-US" dirty="0"/>
           </a:p>
         </p:txBody>
       </p:sp>
       <p:sp>
         <p:nvSpPr>
-          <p:cNvPr id="4" name="Text 1"/>
+          <p:cNvPr id="4" name="Text 1">
+            <a:hlinkClick r:id="rId5"/>
+          </p:cNvPr>
           <p:cNvSpPr/>
           <p:nvPr/>
         </p:nvSpPr>
         <p:spPr>
           <a:xfrm>
-            <a:off x="1887264" y="-26146125"/>
+            <a:off x="1887264" y="5349875"/>
             <a:ext cx="649125" cy="101600"/>
           </a:xfrm>
           <a:prstGeom prst="rect">
@@ -2313,36 +2841,83 @@
               <a:alpha val="0"/>
             </a:srgbClr>
           </a:solidFill>
-          <a:ln/>
+          <a:ln>
+            <a:solidFill>
+              <a:srgbClr val="FFFFFF">
+                <a:alpha val="0"/>
+              </a:srgbClr>
+            </a:solidFill>
+          </a:ln>
         </p:spPr>
         <p:txBody>
           <a:bodyPr wrap="square" rtlCol="0" anchor="ctr"/>
           <a:lstStyle/>
           <a:p>
-            <a:pPr indent="0" marL="0">
+            <a:pPr marL="0" indent="0">
               <a:buNone/>
             </a:pPr>
-            <a:r>
-              <a:rPr lang="en-US" dirty="0">
-                <a:solidFill>
-                  <a:srgbClr val="000000"/>
-                </a:solidFill>
-              </a:rPr>
-              <a:t> </a:t>
-            </a:r>
             <a:endParaRPr lang="en-US" dirty="0"/>
           </a:p>
         </p:txBody>
       </p:sp>
-      <p:sp>
-        <p:nvSpPr>
-          <p:cNvPr id="5" name="Text 2"/>
+    </p:spTree>
+  </p:cSld>
+  <p:clrMapOvr>
+    <a:masterClrMapping/>
+  </p:clrMapOvr>
+</p:sld>
+</file>
+
+<file path=ppt/slides/slide9.xml><?xml version="1.0" encoding="utf-8"?>
+<p:sld xmlns:a="http://schemas.openxmlformats.org/drawingml/2006/main" xmlns:r="http://schemas.openxmlformats.org/officeDocument/2006/relationships" xmlns:p="http://schemas.openxmlformats.org/presentationml/2006/main">
+  <p:cSld name="Slide 8">
+    <p:spTree>
+      <p:nvGrpSpPr>
+        <p:cNvPr id="1" name=""/>
+        <p:cNvGrpSpPr/>
+        <p:nvPr/>
+      </p:nvGrpSpPr>
+      <p:grpSpPr>
+        <a:xfrm>
+          <a:off x="0" y="0"/>
+          <a:ext cx="0" cy="0"/>
+          <a:chOff x="0" y="0"/>
+          <a:chExt cx="0" cy="0"/>
+        </a:xfrm>
+      </p:grpSpPr>
+      <p:pic>
+        <p:nvPicPr>
+          <p:cNvPr id="2" name="Image 0" descr="preencoded.png"/>
+          <p:cNvPicPr>
+            <a:picLocks noChangeAspect="1"/>
+          </p:cNvPicPr>
+          <p:nvPr/>
+        </p:nvPicPr>
+        <p:blipFill>
+          <a:blip r:embed="rId3"/>
+          <a:stretch>
+            <a:fillRect/>
+          </a:stretch>
+        </p:blipFill>
+        <p:spPr>
+          <a:xfrm>
+            <a:off x="0" y="0"/>
+            <a:ext cx="12188952" cy="6858000"/>
+          </a:xfrm>
+          <a:prstGeom prst="rect">
+            <a:avLst/>
+          </a:prstGeom>
+        </p:spPr>
+      </p:pic>
+      <p:sp>
+        <p:nvSpPr>
+          <p:cNvPr id="3" name="Text 0"/>
           <p:cNvSpPr/>
           <p:nvPr/>
         </p:nvSpPr>
         <p:spPr>
           <a:xfrm>
-            <a:off x="1257184" y="-18957925"/>
+            <a:off x="1257184" y="4664075"/>
             <a:ext cx="649125" cy="101600"/>
           </a:xfrm>
           <a:prstGeom prst="rect">
@@ -2353,36 +2928,34 @@
               <a:alpha val="0"/>
             </a:srgbClr>
           </a:solidFill>
-          <a:ln/>
+          <a:ln>
+            <a:solidFill>
+              <a:srgbClr val="FFFFFF">
+                <a:alpha val="0"/>
+              </a:srgbClr>
+            </a:solidFill>
+          </a:ln>
         </p:spPr>
         <p:txBody>
           <a:bodyPr wrap="square" rtlCol="0" anchor="ctr"/>
           <a:lstStyle/>
           <a:p>
-            <a:pPr indent="0" marL="0">
+            <a:pPr marL="0" indent="0">
               <a:buNone/>
             </a:pPr>
-            <a:r>
-              <a:rPr lang="en-US" dirty="0">
-                <a:solidFill>
-                  <a:srgbClr val="000000"/>
-                </a:solidFill>
-              </a:rPr>
-              <a:t> </a:t>
-            </a:r>
             <a:endParaRPr lang="en-US" dirty="0"/>
           </a:p>
         </p:txBody>
       </p:sp>
       <p:sp>
         <p:nvSpPr>
-          <p:cNvPr id="6" name="Text 3"/>
+          <p:cNvPr id="4" name="Text 1"/>
           <p:cNvSpPr/>
           <p:nvPr/>
         </p:nvSpPr>
         <p:spPr>
           <a:xfrm>
-            <a:off x="2007884" y="-18957925"/>
+            <a:off x="2007884" y="4664075"/>
             <a:ext cx="821425" cy="101600"/>
           </a:xfrm>
           <a:prstGeom prst="rect">
@@ -2393,36 +2966,34 @@
               <a:alpha val="0"/>
             </a:srgbClr>
           </a:solidFill>
-          <a:ln/>
+          <a:ln>
+            <a:solidFill>
+              <a:srgbClr val="FFFFFF">
+                <a:alpha val="0"/>
+              </a:srgbClr>
+            </a:solidFill>
+          </a:ln>
         </p:spPr>
         <p:txBody>
           <a:bodyPr wrap="square" rtlCol="0" anchor="ctr"/>
           <a:lstStyle/>
           <a:p>
-            <a:pPr indent="0" marL="0">
+            <a:pPr marL="0" indent="0">
               <a:buNone/>
             </a:pPr>
-            <a:r>
-              <a:rPr lang="en-US" dirty="0">
-                <a:solidFill>
-                  <a:srgbClr val="000000"/>
-                </a:solidFill>
-              </a:rPr>
-              <a:t> </a:t>
-            </a:r>
             <a:endParaRPr lang="en-US" dirty="0"/>
           </a:p>
         </p:txBody>
       </p:sp>
       <p:sp>
         <p:nvSpPr>
-          <p:cNvPr id="7" name="Text 4"/>
+          <p:cNvPr id="5" name="Text 2"/>
           <p:cNvSpPr/>
           <p:nvPr/>
         </p:nvSpPr>
         <p:spPr>
           <a:xfrm>
-            <a:off x="2930884" y="-18957925"/>
+            <a:off x="2930884" y="4664075"/>
             <a:ext cx="611332" cy="101600"/>
           </a:xfrm>
           <a:prstGeom prst="rect">
@@ -2433,23 +3004,21 @@
               <a:alpha val="0"/>
             </a:srgbClr>
           </a:solidFill>
-          <a:ln/>
+          <a:ln>
+            <a:solidFill>
+              <a:srgbClr val="FFFFFF">
+                <a:alpha val="0"/>
+              </a:srgbClr>
+            </a:solidFill>
+          </a:ln>
         </p:spPr>
         <p:txBody>
           <a:bodyPr wrap="square" rtlCol="0" anchor="ctr"/>
           <a:lstStyle/>
           <a:p>
-            <a:pPr indent="0" marL="0">
+            <a:pPr marL="0" indent="0">
               <a:buNone/>
             </a:pPr>
-            <a:r>
-              <a:rPr lang="en-US" dirty="0">
-                <a:solidFill>
-                  <a:srgbClr val="000000"/>
-                </a:solidFill>
-              </a:rPr>
-              <a:t> </a:t>
-            </a:r>
             <a:endParaRPr lang="en-US" dirty="0"/>
           </a:p>
         </p:txBody>
@@ -2755,4 +3324,319 @@
     </a:ext>
   </a:extLst>
 </a:theme>
+</file>
+
+<file path=ppt/theme/theme2.xml><?xml version="1.0" encoding="utf-8"?>
+<a:theme xmlns:a="http://schemas.openxmlformats.org/drawingml/2006/main" name="Office Theme">
+  <a:themeElements>
+    <a:clrScheme name="Office">
+      <a:dk1>
+        <a:sysClr val="windowText" lastClr="000000"/>
+      </a:dk1>
+      <a:lt1>
+        <a:sysClr val="window" lastClr="FFFFFF"/>
+      </a:lt1>
+      <a:dk2>
+        <a:srgbClr val="0E2841"/>
+      </a:dk2>
+      <a:lt2>
+        <a:srgbClr val="E8E8E8"/>
+      </a:lt2>
+      <a:accent1>
+        <a:srgbClr val="156082"/>
+      </a:accent1>
+      <a:accent2>
+        <a:srgbClr val="E97132"/>
+      </a:accent2>
+      <a:accent3>
+        <a:srgbClr val="196B24"/>
+      </a:accent3>
+      <a:accent4>
+        <a:srgbClr val="0F9ED5"/>
+      </a:accent4>
+      <a:accent5>
+        <a:srgbClr val="A02B93"/>
+      </a:accent5>
+      <a:accent6>
+        <a:srgbClr val="4EA72E"/>
+      </a:accent6>
+      <a:hlink>
+        <a:srgbClr val="467886"/>
+      </a:hlink>
+      <a:folHlink>
+        <a:srgbClr val="96607D"/>
+      </a:folHlink>
+    </a:clrScheme>
+    <a:fontScheme name="Office">
+      <a:majorFont>
+        <a:latin typeface="Aptos Display" panose="02110004020202020204"/>
+        <a:ea typeface=""/>
+        <a:cs typeface=""/>
+        <a:font script="Jpan" typeface="游ゴシック Light"/>
+        <a:font script="Hang" typeface="맑은 고딕"/>
+        <a:font script="Hans" typeface="等线 Light"/>
+        <a:font script="Hant" typeface="新細明體"/>
+        <a:font script="Arab" typeface="Times New Roman"/>
+        <a:font script="Hebr" typeface="Times New Roman"/>
+        <a:font script="Thai" typeface="Angsana New"/>
+        <a:font script="Ethi" typeface="Nyala"/>
+        <a:font script="Beng" typeface="Vrinda"/>
+        <a:font script="Gujr" typeface="Shruti"/>
+        <a:font script="Khmr" typeface="MoolBoran"/>
+        <a:font script="Knda" typeface="Tunga"/>
+        <a:font script="Guru" typeface="Raavi"/>
+        <a:font script="Cans" typeface="Euphemia"/>
+        <a:font script="Cher" typeface="Plantagenet Cherokee"/>
+        <a:font script="Yiii" typeface="Microsoft Yi Baiti"/>
+        <a:font script="Tibt" typeface="Microsoft Himalaya"/>
+        <a:font script="Thaa" typeface="MV Boli"/>
+        <a:font script="Deva" typeface="Mangal"/>
+        <a:font script="Telu" typeface="Gautami"/>
+        <a:font script="Taml" typeface="Latha"/>
+        <a:font script="Syrc" typeface="Estrangelo Edessa"/>
+        <a:font script="Orya" typeface="Kalinga"/>
+        <a:font script="Mlym" typeface="Kartika"/>
+        <a:font script="Laoo" typeface="DokChampa"/>
+        <a:font script="Sinh" typeface="Iskoola Pota"/>
+        <a:font script="Mong" typeface="Mongolian Baiti"/>
+        <a:font script="Viet" typeface="Times New Roman"/>
+        <a:font script="Uigh" typeface="Microsoft Uighur"/>
+        <a:font script="Geor" typeface="Sylfaen"/>
+        <a:font script="Armn" typeface="Arial"/>
+        <a:font script="Bugi" typeface="Leelawadee UI"/>
+        <a:font script="Bopo" typeface="Microsoft JhengHei"/>
+        <a:font script="Java" typeface="Javanese Text"/>
+        <a:font script="Lisu" typeface="Segoe UI"/>
+        <a:font script="Mymr" typeface="Myanmar Text"/>
+        <a:font script="Nkoo" typeface="Ebrima"/>
+        <a:font script="Olck" typeface="Nirmala UI"/>
+        <a:font script="Osma" typeface="Ebrima"/>
+        <a:font script="Phag" typeface="Phagspa"/>
+        <a:font script="Syrn" typeface="Estrangelo Edessa"/>
+        <a:font script="Syrj" typeface="Estrangelo Edessa"/>
+        <a:font script="Syre" typeface="Estrangelo Edessa"/>
+        <a:font script="Sora" typeface="Nirmala UI"/>
+        <a:font script="Tale" typeface="Microsoft Tai Le"/>
+        <a:font script="Talu" typeface="Microsoft New Tai Lue"/>
+        <a:font script="Tfng" typeface="Ebrima"/>
+      </a:majorFont>
+      <a:minorFont>
+        <a:latin typeface="Aptos" panose="02110004020202020204"/>
+        <a:ea typeface=""/>
+        <a:cs typeface=""/>
+        <a:font script="Jpan" typeface="游ゴシック"/>
+        <a:font script="Hang" typeface="맑은 고딕"/>
+        <a:font script="Hans" typeface="等线"/>
+        <a:font script="Hant" typeface="新細明體"/>
+        <a:font script="Arab" typeface="Arial"/>
+        <a:font script="Hebr" typeface="Arial"/>
+        <a:font script="Thai" typeface="Cordia New"/>
+        <a:font script="Ethi" typeface="Nyala"/>
+        <a:font script="Beng" typeface="Vrinda"/>
+        <a:font script="Gujr" typeface="Shruti"/>
+        <a:font script="Khmr" typeface="DaunPenh"/>
+        <a:font script="Knda" typeface="Tunga"/>
+        <a:font script="Guru" typeface="Raavi"/>
+        <a:font script="Cans" typeface="Euphemia"/>
+        <a:font script="Cher" typeface="Plantagenet Cherokee"/>
+        <a:font script="Yiii" typeface="Microsoft Yi Baiti"/>
+        <a:font script="Tibt" typeface="Microsoft Himalaya"/>
+        <a:font script="Thaa" typeface="MV Boli"/>
+        <a:font script="Deva" typeface="Mangal"/>
+        <a:font script="Telu" typeface="Gautami"/>
+        <a:font script="Taml" typeface="Latha"/>
+        <a:font script="Syrc" typeface="Estrangelo Edessa"/>
+        <a:font script="Orya" typeface="Kalinga"/>
+        <a:font script="Mlym" typeface="Kartika"/>
+        <a:font script="Laoo" typeface="DokChampa"/>
+        <a:font script="Sinh" typeface="Iskoola Pota"/>
+        <a:font script="Mong" typeface="Mongolian Baiti"/>
+        <a:font script="Viet" typeface="Arial"/>
+        <a:font script="Uigh" typeface="Microsoft Uighur"/>
+        <a:font script="Geor" typeface="Sylfaen"/>
+        <a:font script="Armn" typeface="Arial"/>
+        <a:font script="Bugi" typeface="Leelawadee UI"/>
+        <a:font script="Bopo" typeface="Microsoft JhengHei"/>
+        <a:font script="Java" typeface="Javanese Text"/>
+        <a:font script="Lisu" typeface="Segoe UI"/>
+        <a:font script="Mymr" typeface="Myanmar Text"/>
+        <a:font script="Nkoo" typeface="Ebrima"/>
+        <a:font script="Olck" typeface="Nirmala UI"/>
+        <a:font script="Osma" typeface="Ebrima"/>
+        <a:font script="Phag" typeface="Phagspa"/>
+        <a:font script="Syrn" typeface="Estrangelo Edessa"/>
+        <a:font script="Syrj" typeface="Estrangelo Edessa"/>
+        <a:font script="Syre" typeface="Estrangelo Edessa"/>
+        <a:font script="Sora" typeface="Nirmala UI"/>
+        <a:font script="Tale" typeface="Microsoft Tai Le"/>
+        <a:font script="Talu" typeface="Microsoft New Tai Lue"/>
+        <a:font script="Tfng" typeface="Ebrima"/>
+      </a:minorFont>
+    </a:fontScheme>
+    <a:fmtScheme name="Office">
+      <a:fillStyleLst>
+        <a:solidFill>
+          <a:schemeClr val="phClr"/>
+        </a:solidFill>
+        <a:gradFill rotWithShape="1">
+          <a:gsLst>
+            <a:gs pos="0">
+              <a:schemeClr val="phClr">
+                <a:lumMod val="110000"/>
+                <a:satMod val="105000"/>
+                <a:tint val="67000"/>
+              </a:schemeClr>
+            </a:gs>
+            <a:gs pos="50000">
+              <a:schemeClr val="phClr">
+                <a:lumMod val="105000"/>
+                <a:satMod val="103000"/>
+                <a:tint val="73000"/>
+              </a:schemeClr>
+            </a:gs>
+            <a:gs pos="100000">
+              <a:schemeClr val="phClr">
+                <a:lumMod val="105000"/>
+                <a:satMod val="109000"/>
+                <a:tint val="81000"/>
+              </a:schemeClr>
+            </a:gs>
+          </a:gsLst>
+          <a:lin ang="5400000" scaled="0"/>
+        </a:gradFill>
+        <a:gradFill rotWithShape="1">
+          <a:gsLst>
+            <a:gs pos="0">
+              <a:schemeClr val="phClr">
+                <a:satMod val="103000"/>
+                <a:lumMod val="102000"/>
+                <a:tint val="94000"/>
+              </a:schemeClr>
+            </a:gs>
+            <a:gs pos="50000">
+              <a:schemeClr val="phClr">
+                <a:satMod val="110000"/>
+                <a:lumMod val="100000"/>
+                <a:shade val="100000"/>
+              </a:schemeClr>
+            </a:gs>
+            <a:gs pos="100000">
+              <a:schemeClr val="phClr">
+                <a:lumMod val="99000"/>
+                <a:satMod val="120000"/>
+                <a:shade val="78000"/>
+              </a:schemeClr>
+            </a:gs>
+          </a:gsLst>
+          <a:lin ang="5400000" scaled="0"/>
+        </a:gradFill>
+      </a:fillStyleLst>
+      <a:lnStyleLst>
+        <a:ln w="12700" cap="flat" cmpd="sng" algn="ctr">
+          <a:solidFill>
+            <a:schemeClr val="phClr"/>
+          </a:solidFill>
+          <a:prstDash val="solid"/>
+          <a:miter lim="800000"/>
+        </a:ln>
+        <a:ln w="19050" cap="flat" cmpd="sng" algn="ctr">
+          <a:solidFill>
+            <a:schemeClr val="phClr"/>
+          </a:solidFill>
+          <a:prstDash val="solid"/>
+          <a:miter lim="800000"/>
+        </a:ln>
+        <a:ln w="25400" cap="flat" cmpd="sng" algn="ctr">
+          <a:solidFill>
+            <a:schemeClr val="phClr"/>
+          </a:solidFill>
+          <a:prstDash val="solid"/>
+          <a:miter lim="800000"/>
+        </a:ln>
+      </a:lnStyleLst>
+      <a:effectStyleLst>
+        <a:effectStyle>
+          <a:effectLst/>
+        </a:effectStyle>
+        <a:effectStyle>
+          <a:effectLst/>
+        </a:effectStyle>
+        <a:effectStyle>
+          <a:effectLst>
+            <a:outerShdw blurRad="57150" dist="19050" dir="5400000" algn="ctr" rotWithShape="0">
+              <a:srgbClr val="000000">
+                <a:alpha val="63000"/>
+              </a:srgbClr>
+            </a:outerShdw>
+          </a:effectLst>
+        </a:effectStyle>
+      </a:effectStyleLst>
+      <a:bgFillStyleLst>
+        <a:solidFill>
+          <a:schemeClr val="phClr"/>
+        </a:solidFill>
+        <a:solidFill>
+          <a:schemeClr val="phClr">
+            <a:tint val="95000"/>
+            <a:satMod val="170000"/>
+          </a:schemeClr>
+        </a:solidFill>
+        <a:gradFill rotWithShape="1">
+          <a:gsLst>
+            <a:gs pos="0">
+              <a:schemeClr val="phClr">
+                <a:tint val="93000"/>
+                <a:satMod val="150000"/>
+                <a:shade val="98000"/>
+                <a:lumMod val="102000"/>
+              </a:schemeClr>
+            </a:gs>
+            <a:gs pos="50000">
+              <a:schemeClr val="phClr">
+                <a:tint val="98000"/>
+                <a:satMod val="130000"/>
+                <a:shade val="90000"/>
+                <a:lumMod val="103000"/>
+              </a:schemeClr>
+            </a:gs>
+            <a:gs pos="100000">
+              <a:schemeClr val="phClr">
+                <a:shade val="63000"/>
+                <a:satMod val="120000"/>
+              </a:schemeClr>
+            </a:gs>
+          </a:gsLst>
+          <a:lin ang="5400000" scaled="0"/>
+        </a:gradFill>
+      </a:bgFillStyleLst>
+    </a:fmtScheme>
+  </a:themeElements>
+  <a:objectDefaults>
+    <a:lnDef>
+      <a:spPr/>
+      <a:bodyPr/>
+      <a:lstStyle/>
+      <a:style>
+        <a:lnRef idx="2">
+          <a:schemeClr val="accent1"/>
+        </a:lnRef>
+        <a:fillRef idx="0">
+          <a:schemeClr val="accent1"/>
+        </a:fillRef>
+        <a:effectRef idx="1">
+          <a:schemeClr val="accent1"/>
+        </a:effectRef>
+        <a:fontRef idx="minor">
+          <a:schemeClr val="tx1"/>
+        </a:fontRef>
+      </a:style>
+    </a:lnDef>
+  </a:objectDefaults>
+  <a:extraClrSchemeLst/>
+  <a:extLst>
+    <a:ext uri="{05A4C25C-085E-4340-85A3-A5531E510DB2}">
+      <thm15:themeFamily xmlns:thm15="http://schemas.microsoft.com/office/thememl/2012/main" name="Office Theme" id="{2E142A2C-CD16-42D6-873A-C26D2A0506FA}" vid="{1BDDFF52-6CD6-40A5-AB3C-68EB2F1E4D0A}"/>
+    </a:ext>
+  </a:extLst>
+</a:theme>
 </file>